--- a/ansible/release/02__ansible-basic.pptx
+++ b/ansible/release/02__ansible-basic.pptx
@@ -5,40 +5,40 @@
     <p:sldMasterId id="2147483651" r:id="rId1"/>
   </p:sldMasterIdLst>
   <p:notesMasterIdLst>
-    <p:notesMasterId r:id="rId30"/>
+    <p:notesMasterId r:id="rId2"/>
   </p:notesMasterIdLst>
   <p:handoutMasterIdLst>
-    <p:handoutMasterId r:id="rId31"/>
+    <p:handoutMasterId r:id="rId3"/>
   </p:handoutMasterIdLst>
   <p:sldIdLst>
-    <p:sldId id="256" r:id="rId2"/>
-    <p:sldId id="257" r:id="rId3"/>
-    <p:sldId id="258" r:id="rId4"/>
-    <p:sldId id="259" r:id="rId5"/>
-    <p:sldId id="260" r:id="rId6"/>
-    <p:sldId id="261" r:id="rId7"/>
-    <p:sldId id="262" r:id="rId8"/>
-    <p:sldId id="263" r:id="rId9"/>
-    <p:sldId id="264" r:id="rId10"/>
-    <p:sldId id="265" r:id="rId11"/>
-    <p:sldId id="266" r:id="rId12"/>
-    <p:sldId id="267" r:id="rId13"/>
-    <p:sldId id="268" r:id="rId14"/>
-    <p:sldId id="269" r:id="rId15"/>
-    <p:sldId id="270" r:id="rId16"/>
-    <p:sldId id="271" r:id="rId17"/>
-    <p:sldId id="272" r:id="rId18"/>
-    <p:sldId id="273" r:id="rId19"/>
-    <p:sldId id="274" r:id="rId20"/>
-    <p:sldId id="275" r:id="rId21"/>
-    <p:sldId id="276" r:id="rId22"/>
-    <p:sldId id="277" r:id="rId23"/>
-    <p:sldId id="278" r:id="rId24"/>
-    <p:sldId id="279" r:id="rId25"/>
-    <p:sldId id="280" r:id="rId26"/>
-    <p:sldId id="281" r:id="rId27"/>
-    <p:sldId id="282" r:id="rId28"/>
-    <p:sldId id="283" r:id="rId29"/>
+    <p:sldId id="256" r:id="rId9"/>
+    <p:sldId id="257" r:id="rId10"/>
+    <p:sldId id="258" r:id="rId11"/>
+    <p:sldId id="259" r:id="rId12"/>
+    <p:sldId id="260" r:id="rId13"/>
+    <p:sldId id="261" r:id="rId14"/>
+    <p:sldId id="262" r:id="rId15"/>
+    <p:sldId id="263" r:id="rId16"/>
+    <p:sldId id="264" r:id="rId17"/>
+    <p:sldId id="265" r:id="rId18"/>
+    <p:sldId id="266" r:id="rId19"/>
+    <p:sldId id="267" r:id="rId20"/>
+    <p:sldId id="268" r:id="rId21"/>
+    <p:sldId id="269" r:id="rId22"/>
+    <p:sldId id="270" r:id="rId23"/>
+    <p:sldId id="271" r:id="rId24"/>
+    <p:sldId id="272" r:id="rId25"/>
+    <p:sldId id="273" r:id="rId26"/>
+    <p:sldId id="274" r:id="rId27"/>
+    <p:sldId id="275" r:id="rId28"/>
+    <p:sldId id="276" r:id="rId29"/>
+    <p:sldId id="277" r:id="rId30"/>
+    <p:sldId id="278" r:id="rId31"/>
+    <p:sldId id="279" r:id="rId32"/>
+    <p:sldId id="280" r:id="rId33"/>
+    <p:sldId id="281" r:id="rId34"/>
+    <p:sldId id="282" r:id="rId35"/>
+    <p:sldId id="283" r:id="rId36"/>
   </p:sldIdLst>
   <p:sldSz cx="9372600" cy="8297863"/>
   <p:notesSz cx="7315200" cy="9601200"/>
@@ -206,7 +206,9 @@
   <p:cmAuthor id="2" name="Mark Kerzner" initials="MK" lastIdx="6" clrIdx="1"/>
   <p:cmAuthor id="3" name="Mary Beth Conlee" initials="MBC" lastIdx="7" clrIdx="2"/>
   <p:cmAuthor id="4" name="Michelle" initials="M" lastIdx="5" clrIdx="3"/>
-  <p:cmAuthor id="5" name="Tricia Murphy" initials="TM" lastIdx="4" clrIdx="4"/>
+  <p:cmAuthor id="5" name="Tricia Murphy" initials="TM" lastIdx="4" clrIdx="4">
+    <p:extLst/>
+  </p:cmAuthor>
 </p:cmAuthorLst>
 </file>
 
@@ -2289,7 +2291,7 @@
 </file>
 
 <file path=ppt/slides/slide1.xml><?xml version="1.0" encoding="utf-8"?>
-<p:sld xmlns:a="http://schemas.openxmlformats.org/drawingml/2006/main" xmlns:r="http://schemas.openxmlformats.org/officeDocument/2006/relationships" xmlns:p="http://schemas.openxmlformats.org/presentationml/2006/main">
+<p:sld xmlns:a="http://schemas.openxmlformats.org/drawingml/2006/main" xmlns:p="http://schemas.openxmlformats.org/presentationml/2006/main" xmlns:r="http://schemas.openxmlformats.org/officeDocument/2006/relationships">
   <p:cSld>
     <p:spTree>
       <p:nvGrpSpPr>
@@ -2297,14 +2299,7 @@
         <p:cNvGrpSpPr/>
         <p:nvPr/>
       </p:nvGrpSpPr>
-      <p:grpSpPr>
-        <a:xfrm>
-          <a:off x="0" y="0"/>
-          <a:ext cx="0" cy="0"/>
-          <a:chOff x="0" y="0"/>
-          <a:chExt cx="0" cy="0"/>
-        </a:xfrm>
-      </p:grpSpPr>
+      <p:grpSpPr/>
       <p:sp>
         <p:nvSpPr>
           <p:cNvPr id="2" name="Subtitle 1"/>
@@ -2312,7 +2307,7 @@
             <a:spLocks noGrp="1"/>
           </p:cNvSpPr>
           <p:nvPr>
-            <p:ph type="subTitle" sz="quarter" idx="1"/>
+            <p:ph type="subTitle" idx="1" sz="quarter"/>
           </p:nvPr>
         </p:nvSpPr>
         <p:spPr/>
@@ -2351,15 +2346,10 @@
         </p:nvSpPr>
         <p:spPr/>
         <p:txBody>
-          <a:bodyPr wrap="square">
-            <a:noAutofit/>
-          </a:bodyPr>
-          <a:lstStyle/>
-          <a:p>
-            <a:r>
-              <a:rPr sz="4200" b="1" i="0">
-                <a:latin typeface="Times New Roman"/>
-              </a:rPr>
+          <a:bodyPr/>
+          <a:lstStyle/>
+          <a:p>
+            <a:r>
               <a:t>Why Ansible?</a:t>
             </a:r>
           </a:p>
@@ -2407,7 +2397,7 @@
 </file>
 
 <file path=ppt/slides/slide10.xml><?xml version="1.0" encoding="utf-8"?>
-<p:sld xmlns:a="http://schemas.openxmlformats.org/drawingml/2006/main" xmlns:r="http://schemas.openxmlformats.org/officeDocument/2006/relationships" xmlns:p="http://schemas.openxmlformats.org/presentationml/2006/main">
+<p:sld xmlns:a="http://schemas.openxmlformats.org/drawingml/2006/main" xmlns:p="http://schemas.openxmlformats.org/presentationml/2006/main" xmlns:r="http://schemas.openxmlformats.org/officeDocument/2006/relationships">
   <p:cSld>
     <p:spTree>
       <p:nvGrpSpPr>
@@ -2415,14 +2405,7 @@
         <p:cNvGrpSpPr/>
         <p:nvPr/>
       </p:nvGrpSpPr>
-      <p:grpSpPr>
-        <a:xfrm>
-          <a:off x="0" y="0"/>
-          <a:ext cx="0" cy="0"/>
-          <a:chOff x="0" y="0"/>
-          <a:chExt cx="0" cy="0"/>
-        </a:xfrm>
-      </p:grpSpPr>
+      <p:grpSpPr/>
       <p:sp>
         <p:nvSpPr>
           <p:cNvPr id="2" name="Title 1"/>
@@ -2460,7 +2443,19 @@
           <a:lstStyle/>
           <a:p>
             <a:r>
-              <a:t> Ansible is idempotent, meaning that it can be run multiple times without changing the state of the system.</a:t>
+              <a:t> Ansible ensures</a:t>
+            </a:r>
+            <a:r>
+              <a:rPr b="1"/>
+              <a:t> idempotency</a:t>
+            </a:r>
+            <a:r>
+              <a:t> , meaning you can run the same task multiple times without altering the outcome after the first successful run.</a:t>
+            </a:r>
+          </a:p>
+          <a:p>
+            <a:r>
+              <a:t> This guarantees a consistent state on all managed systems, regardless of how many times the playbooks are executed.</a:t>
             </a:r>
           </a:p>
         </p:txBody>
@@ -2507,7 +2502,7 @@
 </file>
 
 <file path=ppt/slides/slide11.xml><?xml version="1.0" encoding="utf-8"?>
-<p:sld xmlns:a="http://schemas.openxmlformats.org/drawingml/2006/main" xmlns:r="http://schemas.openxmlformats.org/officeDocument/2006/relationships" xmlns:p="http://schemas.openxmlformats.org/presentationml/2006/main">
+<p:sld xmlns:a="http://schemas.openxmlformats.org/drawingml/2006/main" xmlns:p="http://schemas.openxmlformats.org/presentationml/2006/main" xmlns:r="http://schemas.openxmlformats.org/officeDocument/2006/relationships">
   <p:cSld>
     <p:spTree>
       <p:nvGrpSpPr>
@@ -2515,14 +2510,7 @@
         <p:cNvGrpSpPr/>
         <p:nvPr/>
       </p:nvGrpSpPr>
-      <p:grpSpPr>
-        <a:xfrm>
-          <a:off x="0" y="0"/>
-          <a:ext cx="0" cy="0"/>
-          <a:chOff x="0" y="0"/>
-          <a:chExt cx="0" cy="0"/>
-        </a:xfrm>
-      </p:grpSpPr>
+      <p:grpSpPr/>
       <p:sp>
         <p:nvSpPr>
           <p:cNvPr id="2" name="Title 1"/>
@@ -2558,46 +2546,32 @@
         <p:txBody>
           <a:bodyPr/>
           <a:lstStyle/>
-          <a:p>
-            <a:endParaRPr/>
-          </a:p>
-          <a:p>
-            <a:endParaRPr/>
-          </a:p>
-          <a:p>
-            <a:endParaRPr/>
-          </a:p>
-          <a:p>
-            <a:endParaRPr/>
-          </a:p>
-          <a:p>
-            <a:endParaRPr/>
-          </a:p>
-          <a:p>
-            <a:endParaRPr/>
-          </a:p>
-          <a:p>
-            <a:endParaRPr/>
-          </a:p>
-          <a:p>
-            <a:endParaRPr/>
-          </a:p>
-          <a:p>
-            <a:endParaRPr/>
-          </a:p>
-          <a:p>
-            <a:r>
-              <a:t> Ansible is not a configuration management tool</a:t>
-            </a:r>
-          </a:p>
-          <a:p>
-            <a:r>
-              <a:t> BUT</a:t>
-            </a:r>
-          </a:p>
-          <a:p>
-            <a:r>
-              <a:t> it can be used to manage configuration files.</a:t>
+          <a:p/>
+          <a:p/>
+          <a:p/>
+          <a:p/>
+          <a:p/>
+          <a:p/>
+          <a:p/>
+          <a:p>
+            <a:r>
+              <a:t> While Ansible is frequently used for configuration management, it is not a</a:t>
+            </a:r>
+            <a:r>
+              <a:rPr i="1"/>
+              <a:t> pure</a:t>
+            </a:r>
+            <a:r>
+              <a:t> configuration management tool in the same sense as Puppet or Chef.</a:t>
+            </a:r>
+          </a:p>
+          <a:p>
+            <a:r>
+              <a:rPr b="1"/>
+              <a:t> However</a:t>
+            </a:r>
+            <a:r>
+              <a:t> , it can still manage configuration files effectively and is often used in that capacity.</a:t>
             </a:r>
           </a:p>
         </p:txBody>
@@ -2651,8 +2625,8 @@
         </p:blipFill>
         <p:spPr>
           <a:xfrm>
-            <a:off x="1638300" y="1329531"/>
-            <a:ext cx="5506212" cy="3634988"/>
+            <a:off x="704088" y="914400"/>
+            <a:ext cx="7507224" cy="4955979"/>
           </a:xfrm>
           <a:prstGeom prst="rect">
             <a:avLst/>
@@ -2668,7 +2642,7 @@
 </file>
 
 <file path=ppt/slides/slide12.xml><?xml version="1.0" encoding="utf-8"?>
-<p:sld xmlns:a="http://schemas.openxmlformats.org/drawingml/2006/main" xmlns:r="http://schemas.openxmlformats.org/officeDocument/2006/relationships" xmlns:p="http://schemas.openxmlformats.org/presentationml/2006/main">
+<p:sld xmlns:a="http://schemas.openxmlformats.org/drawingml/2006/main" xmlns:p="http://schemas.openxmlformats.org/presentationml/2006/main" xmlns:r="http://schemas.openxmlformats.org/officeDocument/2006/relationships">
   <p:cSld>
     <p:spTree>
       <p:nvGrpSpPr>
@@ -2676,14 +2650,7 @@
         <p:cNvGrpSpPr/>
         <p:nvPr/>
       </p:nvGrpSpPr>
-      <p:grpSpPr>
-        <a:xfrm>
-          <a:off x="0" y="0"/>
-          <a:ext cx="0" cy="0"/>
-          <a:chOff x="0" y="0"/>
-          <a:chExt cx="0" cy="0"/>
-        </a:xfrm>
-      </p:grpSpPr>
+      <p:grpSpPr/>
       <p:sp>
         <p:nvSpPr>
           <p:cNvPr id="2" name="Title 1"/>
@@ -2719,32 +2686,52 @@
         <p:txBody>
           <a:bodyPr/>
           <a:lstStyle/>
-          <a:p>
-            <a:endParaRPr/>
-          </a:p>
-          <a:p>
-            <a:endParaRPr/>
-          </a:p>
-          <a:p>
-            <a:endParaRPr/>
-          </a:p>
-          <a:p>
-            <a:endParaRPr/>
-          </a:p>
-          <a:p>
-            <a:endParaRPr/>
-          </a:p>
-          <a:p>
-            <a:endParaRPr/>
-          </a:p>
-          <a:p>
-            <a:endParaRPr/>
-          </a:p>
-          <a:p>
-            <a:endParaRPr/>
-          </a:p>
-          <a:p>
-            <a:endParaRPr/>
+          <a:p/>
+          <a:p/>
+          <a:p>
+            <a:r>
+              <a:rPr b="1"/>
+              <a:t> Control Node</a:t>
+            </a:r>
+            <a:r>
+              <a:t> : Where Ansible is installed and commands are run.</a:t>
+            </a:r>
+          </a:p>
+          <a:p>
+            <a:r>
+              <a:rPr b="1"/>
+              <a:t> Managed Nodes</a:t>
+            </a:r>
+            <a:r>
+              <a:t> : Systems you want to control, which require no special agents.</a:t>
+            </a:r>
+          </a:p>
+          <a:p>
+            <a:r>
+              <a:rPr b="1"/>
+              <a:t> Inventory</a:t>
+            </a:r>
+            <a:r>
+              <a:t> : A list of hosts or groups of hosts.</a:t>
+            </a:r>
+          </a:p>
+          <a:p>
+            <a:r>
+              <a:rPr b="1"/>
+              <a:t> Modules</a:t>
+            </a:r>
+            <a:r>
+              <a:t> : Units of code Ansible executes via SSH or WinRM.</a:t>
+            </a:r>
+          </a:p>
+          <a:p>
+            <a:r>
+              <a:rPr b="1"/>
+              <a:t> Playbooks</a:t>
+            </a:r>
+            <a:r>
+              <a:t> : YAML files that define a series of tasks.</a:t>
+            </a:r>
           </a:p>
         </p:txBody>
       </p:sp>
@@ -2797,8 +2784,8 @@
         </p:blipFill>
         <p:spPr>
           <a:xfrm>
-            <a:off x="495300" y="1481931"/>
-            <a:ext cx="7839499" cy="4606131"/>
+            <a:off x="704088" y="914400"/>
+            <a:ext cx="1089397" cy="640080"/>
           </a:xfrm>
           <a:prstGeom prst="rect">
             <a:avLst/>
@@ -2814,7 +2801,7 @@
 </file>
 
 <file path=ppt/slides/slide13.xml><?xml version="1.0" encoding="utf-8"?>
-<p:sld xmlns:a="http://schemas.openxmlformats.org/drawingml/2006/main" xmlns:r="http://schemas.openxmlformats.org/officeDocument/2006/relationships" xmlns:p="http://schemas.openxmlformats.org/presentationml/2006/main">
+<p:sld xmlns:a="http://schemas.openxmlformats.org/drawingml/2006/main" xmlns:p="http://schemas.openxmlformats.org/presentationml/2006/main" xmlns:r="http://schemas.openxmlformats.org/officeDocument/2006/relationships">
   <p:cSld>
     <p:spTree>
       <p:nvGrpSpPr>
@@ -2822,14 +2809,7 @@
         <p:cNvGrpSpPr/>
         <p:nvPr/>
       </p:nvGrpSpPr>
-      <p:grpSpPr>
-        <a:xfrm>
-          <a:off x="0" y="0"/>
-          <a:ext cx="0" cy="0"/>
-          <a:chOff x="0" y="0"/>
-          <a:chExt cx="0" cy="0"/>
-        </a:xfrm>
-      </p:grpSpPr>
+      <p:grpSpPr/>
       <p:sp>
         <p:nvSpPr>
           <p:cNvPr id="2" name="Title 1"/>
@@ -2867,51 +2847,23 @@
           <a:lstStyle/>
           <a:p>
             <a:r>
-              <a:rPr dirty="0"/>
-              <a:t> Means to run a specific </a:t>
-            </a:r>
-            <a:r>
-              <a:rPr dirty="0" err="1"/>
-              <a:t>adhoc</a:t>
-            </a:r>
-            <a:r>
-              <a:rPr dirty="0"/>
-              <a:t>, play or playbook on the specified host or group from the inventory</a:t>
-            </a:r>
-          </a:p>
-          <a:p>
-            <a:endParaRPr dirty="0"/>
-          </a:p>
-          <a:p>
-            <a:endParaRPr dirty="0"/>
-          </a:p>
-          <a:p>
-            <a:endParaRPr dirty="0"/>
-          </a:p>
-          <a:p>
-            <a:endParaRPr dirty="0"/>
-          </a:p>
-          <a:p>
-            <a:endParaRPr dirty="0"/>
-          </a:p>
-          <a:p>
-            <a:endParaRPr dirty="0"/>
-          </a:p>
-          <a:p>
-            <a:endParaRPr dirty="0"/>
-          </a:p>
-          <a:p>
-            <a:endParaRPr dirty="0"/>
-          </a:p>
-          <a:p>
-            <a:endParaRPr dirty="0"/>
-          </a:p>
-          <a:p>
-            <a:endParaRPr dirty="0"/>
-          </a:p>
-          <a:p>
-            <a:endParaRPr dirty="0"/>
-          </a:p>
+              <a:t> To “run against” a host or group means to execute a specific ad-hoc command, play, or playbook on those targeted systems.</a:t>
+            </a:r>
+          </a:p>
+          <a:p>
+            <a:r>
+              <a:t> The target hosts or groups are defined in the inventory.</a:t>
+            </a:r>
+          </a:p>
+          <a:p/>
+          <a:p/>
+          <a:p/>
+          <a:p/>
+          <a:p/>
+          <a:p/>
+          <a:p/>
+          <a:p/>
+          <a:p/>
         </p:txBody>
       </p:sp>
       <p:sp>
@@ -2963,8 +2915,8 @@
         </p:blipFill>
         <p:spPr>
           <a:xfrm>
-            <a:off x="680274" y="2169255"/>
-            <a:ext cx="4768025" cy="3576019"/>
+            <a:off x="704088" y="3108960"/>
+            <a:ext cx="2674620" cy="2005965"/>
           </a:xfrm>
           <a:prstGeom prst="rect">
             <a:avLst/>
@@ -2980,7 +2932,7 @@
 </file>
 
 <file path=ppt/slides/slide14.xml><?xml version="1.0" encoding="utf-8"?>
-<p:sld xmlns:a="http://schemas.openxmlformats.org/drawingml/2006/main" xmlns:r="http://schemas.openxmlformats.org/officeDocument/2006/relationships" xmlns:p="http://schemas.openxmlformats.org/presentationml/2006/main">
+<p:sld xmlns:a="http://schemas.openxmlformats.org/drawingml/2006/main" xmlns:p="http://schemas.openxmlformats.org/presentationml/2006/main" xmlns:r="http://schemas.openxmlformats.org/officeDocument/2006/relationships">
   <p:cSld>
     <p:spTree>
       <p:nvGrpSpPr>
@@ -2988,14 +2940,7 @@
         <p:cNvGrpSpPr/>
         <p:nvPr/>
       </p:nvGrpSpPr>
-      <p:grpSpPr>
-        <a:xfrm>
-          <a:off x="0" y="0"/>
-          <a:ext cx="0" cy="0"/>
-          <a:chOff x="0" y="0"/>
-          <a:chExt cx="0" cy="0"/>
-        </a:xfrm>
-      </p:grpSpPr>
+      <p:grpSpPr/>
       <p:sp>
         <p:nvSpPr>
           <p:cNvPr id="2" name="Title 1"/>
@@ -3012,7 +2957,7 @@
           <a:lstStyle/>
           <a:p>
             <a:r>
-              <a:t>Ansible Vs Chef Vs Puppet Vs SaltStack</a:t>
+              <a:t>Ansible vs. Chef vs. Puppet vs. SaltStack</a:t>
             </a:r>
           </a:p>
         </p:txBody>
@@ -3032,38 +2977,21 @@
           <a:bodyPr/>
           <a:lstStyle/>
           <a:p>
-            <a:endParaRPr/>
-          </a:p>
-          <a:p>
-            <a:endParaRPr/>
-          </a:p>
-          <a:p>
-            <a:endParaRPr/>
-          </a:p>
-          <a:p>
-            <a:endParaRPr/>
-          </a:p>
-          <a:p>
-            <a:endParaRPr/>
-          </a:p>
-          <a:p>
-            <a:endParaRPr/>
-          </a:p>
-          <a:p>
-            <a:endParaRPr/>
-          </a:p>
-          <a:p>
-            <a:endParaRPr/>
-          </a:p>
-          <a:p>
-            <a:endParaRPr/>
-          </a:p>
-          <a:p>
-            <a:endParaRPr/>
-          </a:p>
-          <a:p>
-            <a:endParaRPr/>
-          </a:p>
+            <a:r>
+              <a:t> Below is a high-level comparison of popular automation/configuration management tools.</a:t>
+            </a:r>
+          </a:p>
+          <a:p/>
+          <a:p/>
+          <a:p/>
+          <a:p/>
+          <a:p/>
+          <a:p/>
+          <a:p/>
+          <a:p/>
+          <a:p/>
+          <a:p/>
+          <a:p/>
         </p:txBody>
       </p:sp>
       <p:sp>
@@ -3108,8 +3036,8 @@
           <p:nvPr/>
         </p:nvGraphicFramePr>
         <p:xfrm>
-          <a:off x="237744" y="914400"/>
-          <a:ext cx="8915400" cy="6035040"/>
+          <a:off x="237744" y="1792224"/>
+          <a:ext cx="8915400" cy="4572000"/>
         </p:xfrm>
         <a:graphic>
           <a:graphicData uri="http://schemas.openxmlformats.org/drawingml/2006/table">
@@ -3118,41 +3046,11 @@
                 <a:tableStyleId>{5C22544A-7EE6-4342-B048-85BDC9FD1C3A}</a:tableStyleId>
               </a:tblPr>
               <a:tblGrid>
-                <a:gridCol w="1783080">
-                  <a:extLst>
-                    <a:ext uri="{9D8B030D-6E8A-4147-A177-3AD203B41FA5}">
-                      <a16:colId xmlns:a16="http://schemas.microsoft.com/office/drawing/2014/main" val="20000"/>
-                    </a:ext>
-                  </a:extLst>
-                </a:gridCol>
-                <a:gridCol w="1783080">
-                  <a:extLst>
-                    <a:ext uri="{9D8B030D-6E8A-4147-A177-3AD203B41FA5}">
-                      <a16:colId xmlns:a16="http://schemas.microsoft.com/office/drawing/2014/main" val="20001"/>
-                    </a:ext>
-                  </a:extLst>
-                </a:gridCol>
-                <a:gridCol w="1783080">
-                  <a:extLst>
-                    <a:ext uri="{9D8B030D-6E8A-4147-A177-3AD203B41FA5}">
-                      <a16:colId xmlns:a16="http://schemas.microsoft.com/office/drawing/2014/main" val="20002"/>
-                    </a:ext>
-                  </a:extLst>
-                </a:gridCol>
-                <a:gridCol w="1783080">
-                  <a:extLst>
-                    <a:ext uri="{9D8B030D-6E8A-4147-A177-3AD203B41FA5}">
-                      <a16:colId xmlns:a16="http://schemas.microsoft.com/office/drawing/2014/main" val="20003"/>
-                    </a:ext>
-                  </a:extLst>
-                </a:gridCol>
-                <a:gridCol w="1783080">
-                  <a:extLst>
-                    <a:ext uri="{9D8B030D-6E8A-4147-A177-3AD203B41FA5}">
-                      <a16:colId xmlns:a16="http://schemas.microsoft.com/office/drawing/2014/main" val="20004"/>
-                    </a:ext>
-                  </a:extLst>
-                </a:gridCol>
+                <a:gridCol w="1783080"/>
+                <a:gridCol w="1783080"/>
+                <a:gridCol w="1783080"/>
+                <a:gridCol w="1783080"/>
+                <a:gridCol w="1783080"/>
               </a:tblGrid>
               <a:tr h="457200">
                 <a:tc>
@@ -3215,11 +3113,6 @@
                   </a:txBody>
                   <a:tcPr/>
                 </a:tc>
-                <a:extLst>
-                  <a:ext uri="{0D108BD9-81ED-4DB2-BD59-A6C34878D82A}">
-                    <a16:rowId xmlns:a16="http://schemas.microsoft.com/office/drawing/2014/main" val="10000"/>
-                  </a:ext>
-                </a:extLst>
               </a:tr>
               <a:tr h="457200">
                 <a:tc>
@@ -3228,7 +3121,7 @@
                     <a:lstStyle/>
                     <a:p>
                       <a:r>
-                        <a:t>Configuration language</a:t>
+                        <a:t>Configuration Language</a:t>
                       </a:r>
                     </a:p>
                   </a:txBody>
@@ -3282,11 +3175,6 @@
                   </a:txBody>
                   <a:tcPr/>
                 </a:tc>
-                <a:extLst>
-                  <a:ext uri="{0D108BD9-81ED-4DB2-BD59-A6C34878D82A}">
-                    <a16:rowId xmlns:a16="http://schemas.microsoft.com/office/drawing/2014/main" val="10001"/>
-                  </a:ext>
-                </a:extLst>
               </a:tr>
               <a:tr h="457200">
                 <a:tc>
@@ -3295,7 +3183,7 @@
                     <a:lstStyle/>
                     <a:p>
                       <a:r>
-                        <a:t>Masterless support</a:t>
+                        <a:t>Masterless Support</a:t>
                       </a:r>
                     </a:p>
                   </a:txBody>
@@ -3349,11 +3237,6 @@
                   </a:txBody>
                   <a:tcPr/>
                 </a:tc>
-                <a:extLst>
-                  <a:ext uri="{0D108BD9-81ED-4DB2-BD59-A6C34878D82A}">
-                    <a16:rowId xmlns:a16="http://schemas.microsoft.com/office/drawing/2014/main" val="10002"/>
-                  </a:ext>
-                </a:extLst>
               </a:tr>
               <a:tr h="457200">
                 <a:tc>
@@ -3362,7 +3245,7 @@
                     <a:lstStyle/>
                     <a:p>
                       <a:r>
-                        <a:t>Agent-based support</a:t>
+                        <a:t>Agent-Based Support</a:t>
                       </a:r>
                     </a:p>
                   </a:txBody>
@@ -3374,7 +3257,7 @@
                     <a:lstStyle/>
                     <a:p>
                       <a:r>
-                        <a:t>Optional (ansible-pull)</a:t>
+                        <a:t>Optional (`ansible-pull`)</a:t>
                       </a:r>
                     </a:p>
                   </a:txBody>
@@ -3416,11 +3299,6 @@
                   </a:txBody>
                   <a:tcPr/>
                 </a:tc>
-                <a:extLst>
-                  <a:ext uri="{0D108BD9-81ED-4DB2-BD59-A6C34878D82A}">
-                    <a16:rowId xmlns:a16="http://schemas.microsoft.com/office/drawing/2014/main" val="10003"/>
-                  </a:ext>
-                </a:extLst>
               </a:tr>
               <a:tr h="457200">
                 <a:tc>
@@ -3429,7 +3307,7 @@
                     <a:lstStyle/>
                     <a:p>
                       <a:r>
-                        <a:t>Idempotent execution</a:t>
+                        <a:t>Idempotent Execution</a:t>
                       </a:r>
                     </a:p>
                   </a:txBody>
@@ -3483,11 +3361,6 @@
                   </a:txBody>
                   <a:tcPr/>
                 </a:tc>
-                <a:extLst>
-                  <a:ext uri="{0D108BD9-81ED-4DB2-BD59-A6C34878D82A}">
-                    <a16:rowId xmlns:a16="http://schemas.microsoft.com/office/drawing/2014/main" val="10004"/>
-                  </a:ext>
-                </a:extLst>
               </a:tr>
               <a:tr h="457200">
                 <a:tc>
@@ -3496,7 +3369,7 @@
                     <a:lstStyle/>
                     <a:p>
                       <a:r>
-                        <a:t>Real-time execution</a:t>
+                        <a:t>Real-Time Execution</a:t>
                       </a:r>
                     </a:p>
                   </a:txBody>
@@ -3550,11 +3423,6 @@
                   </a:txBody>
                   <a:tcPr/>
                 </a:tc>
-                <a:extLst>
-                  <a:ext uri="{0D108BD9-81ED-4DB2-BD59-A6C34878D82A}">
-                    <a16:rowId xmlns:a16="http://schemas.microsoft.com/office/drawing/2014/main" val="10005"/>
-                  </a:ext>
-                </a:extLst>
               </a:tr>
               <a:tr h="457200">
                 <a:tc>
@@ -3563,7 +3431,7 @@
                     <a:lstStyle/>
                     <a:p>
                       <a:r>
-                        <a:t>Parallel execution</a:t>
+                        <a:t>Parallel Execution</a:t>
                       </a:r>
                     </a:p>
                   </a:txBody>
@@ -3617,11 +3485,6 @@
                   </a:txBody>
                   <a:tcPr/>
                 </a:tc>
-                <a:extLst>
-                  <a:ext uri="{0D108BD9-81ED-4DB2-BD59-A6C34878D82A}">
-                    <a16:rowId xmlns:a16="http://schemas.microsoft.com/office/drawing/2014/main" val="10006"/>
-                  </a:ext>
-                </a:extLst>
               </a:tr>
               <a:tr h="457200">
                 <a:tc>
@@ -3630,7 +3493,7 @@
                     <a:lstStyle/>
                     <a:p>
                       <a:r>
-                        <a:t>Dependency management</a:t>
+                        <a:t>Dependency Management</a:t>
                       </a:r>
                     </a:p>
                   </a:txBody>
@@ -3684,11 +3547,6 @@
                   </a:txBody>
                   <a:tcPr/>
                 </a:tc>
-                <a:extLst>
-                  <a:ext uri="{0D108BD9-81ED-4DB2-BD59-A6C34878D82A}">
-                    <a16:rowId xmlns:a16="http://schemas.microsoft.com/office/drawing/2014/main" val="10007"/>
-                  </a:ext>
-                </a:extLst>
               </a:tr>
               <a:tr h="457200">
                 <a:tc>
@@ -3697,7 +3555,7 @@
                     <a:lstStyle/>
                     <a:p>
                       <a:r>
-                        <a:t>Dry-run testing</a:t>
+                        <a:t>Dry-Run Testing</a:t>
                       </a:r>
                     </a:p>
                   </a:txBody>
@@ -3751,11 +3609,6 @@
                   </a:txBody>
                   <a:tcPr/>
                 </a:tc>
-                <a:extLst>
-                  <a:ext uri="{0D108BD9-81ED-4DB2-BD59-A6C34878D82A}">
-                    <a16:rowId xmlns:a16="http://schemas.microsoft.com/office/drawing/2014/main" val="10008"/>
-                  </a:ext>
-                </a:extLst>
               </a:tr>
               <a:tr h="457200">
                 <a:tc>
@@ -3764,7 +3617,7 @@
                     <a:lstStyle/>
                     <a:p>
                       <a:r>
-                        <a:t>Declarative configuration</a:t>
+                        <a:t>Declarative Configuration</a:t>
                       </a:r>
                     </a:p>
                   </a:txBody>
@@ -3818,11 +3671,6 @@
                   </a:txBody>
                   <a:tcPr/>
                 </a:tc>
-                <a:extLst>
-                  <a:ext uri="{0D108BD9-81ED-4DB2-BD59-A6C34878D82A}">
-                    <a16:rowId xmlns:a16="http://schemas.microsoft.com/office/drawing/2014/main" val="10009"/>
-                  </a:ext>
-                </a:extLst>
               </a:tr>
             </a:tbl>
           </a:graphicData>
@@ -3837,7 +3685,7 @@
 </file>
 
 <file path=ppt/slides/slide15.xml><?xml version="1.0" encoding="utf-8"?>
-<p:sld xmlns:a="http://schemas.openxmlformats.org/drawingml/2006/main" xmlns:r="http://schemas.openxmlformats.org/officeDocument/2006/relationships" xmlns:p="http://schemas.openxmlformats.org/presentationml/2006/main">
+<p:sld xmlns:a="http://schemas.openxmlformats.org/drawingml/2006/main" xmlns:p="http://schemas.openxmlformats.org/presentationml/2006/main" xmlns:r="http://schemas.openxmlformats.org/officeDocument/2006/relationships">
   <p:cSld>
     <p:spTree>
       <p:nvGrpSpPr>
@@ -3845,14 +3693,7 @@
         <p:cNvGrpSpPr/>
         <p:nvPr/>
       </p:nvGrpSpPr>
-      <p:grpSpPr>
-        <a:xfrm>
-          <a:off x="0" y="0"/>
-          <a:ext cx="0" cy="0"/>
-          <a:chOff x="0" y="0"/>
-          <a:chExt cx="0" cy="0"/>
-        </a:xfrm>
-      </p:grpSpPr>
+      <p:grpSpPr/>
       <p:sp>
         <p:nvSpPr>
           <p:cNvPr id="2" name="Subtitle 1"/>
@@ -3860,7 +3701,7 @@
             <a:spLocks noGrp="1"/>
           </p:cNvSpPr>
           <p:nvPr>
-            <p:ph type="subTitle" sz="quarter" idx="1"/>
+            <p:ph type="subTitle" idx="1" sz="quarter"/>
           </p:nvPr>
         </p:nvSpPr>
         <p:spPr/>
@@ -3899,15 +3740,10 @@
         </p:nvSpPr>
         <p:spPr/>
         <p:txBody>
-          <a:bodyPr wrap="square">
-            <a:noAutofit/>
-          </a:bodyPr>
-          <a:lstStyle/>
-          <a:p>
-            <a:r>
-              <a:rPr sz="4200" b="1" i="0">
-                <a:latin typeface="Times New Roman"/>
-              </a:rPr>
+          <a:bodyPr/>
+          <a:lstStyle/>
+          <a:p>
+            <a:r>
               <a:t>Inventory</a:t>
             </a:r>
           </a:p>
@@ -3955,7 +3791,7 @@
 </file>
 
 <file path=ppt/slides/slide16.xml><?xml version="1.0" encoding="utf-8"?>
-<p:sld xmlns:a="http://schemas.openxmlformats.org/drawingml/2006/main" xmlns:r="http://schemas.openxmlformats.org/officeDocument/2006/relationships" xmlns:p="http://schemas.openxmlformats.org/presentationml/2006/main">
+<p:sld xmlns:a="http://schemas.openxmlformats.org/drawingml/2006/main" xmlns:p="http://schemas.openxmlformats.org/presentationml/2006/main" xmlns:r="http://schemas.openxmlformats.org/officeDocument/2006/relationships">
   <p:cSld>
     <p:spTree>
       <p:nvGrpSpPr>
@@ -3963,14 +3799,7 @@
         <p:cNvGrpSpPr/>
         <p:nvPr/>
       </p:nvGrpSpPr>
-      <p:grpSpPr>
-        <a:xfrm>
-          <a:off x="0" y="0"/>
-          <a:ext cx="0" cy="0"/>
-          <a:chOff x="0" y="0"/>
-          <a:chExt cx="0" cy="0"/>
-        </a:xfrm>
-      </p:grpSpPr>
+      <p:grpSpPr/>
       <p:sp>
         <p:nvSpPr>
           <p:cNvPr id="2" name="Title 1"/>
@@ -4008,31 +3837,44 @@
           <a:lstStyle/>
           <a:p>
             <a:r>
-              <a:t> A list of hosts that Ansible can manage</a:t>
-            </a:r>
-          </a:p>
-          <a:p>
-            <a:r>
-              <a:t> Can be static or dynamic</a:t>
-            </a:r>
-          </a:p>
-          <a:p>
-            <a:r>
-              <a:t> Can be defined in a file or in the command line</a:t>
-            </a:r>
-          </a:p>
-          <a:p>
-            <a:endParaRPr/>
-          </a:p>
-          <a:p>
-            <a:endParaRPr/>
-          </a:p>
-          <a:p>
-            <a:endParaRPr/>
-          </a:p>
-          <a:p>
-            <a:endParaRPr/>
-          </a:p>
+              <a:rPr b="1"/>
+              <a:t> Definition</a:t>
+            </a:r>
+            <a:r>
+              <a:t> : An inventory is a list of hosts (systems) managed by Ansible.</a:t>
+            </a:r>
+          </a:p>
+          <a:p>
+            <a:r>
+              <a:rPr b="1"/>
+              <a:t> Types</a:t>
+            </a:r>
+            <a:r>
+              <a:t> : It can be static (a file) or dynamic (generated by a script).</a:t>
+            </a:r>
+          </a:p>
+          <a:p>
+            <a:r>
+              <a:rPr b="1"/>
+              <a:t> Usage</a:t>
+            </a:r>
+            <a:r>
+              <a:t> : Can be specified on the command line or within a default file (commonly</a:t>
+            </a:r>
+            <a:r>
+              <a:rPr>
+                <a:latin typeface="Courier New"/>
+              </a:rPr>
+              <a:t> /etc/ansible/hosts</a:t>
+            </a:r>
+            <a:r>
+              <a:t> ).</a:t>
+            </a:r>
+          </a:p>
+          <a:p/>
+          <a:p/>
+          <a:p/>
+          <a:p/>
         </p:txBody>
       </p:sp>
       <p:sp>
@@ -4084,8 +3926,8 @@
         </p:blipFill>
         <p:spPr>
           <a:xfrm>
-            <a:off x="4762" y="2555081"/>
-            <a:ext cx="4826000" cy="3187700"/>
+            <a:off x="0" y="3547872"/>
+            <a:ext cx="4838700" cy="3187700"/>
           </a:xfrm>
           <a:prstGeom prst="rect">
             <a:avLst/>
@@ -4101,7 +3943,7 @@
 </file>
 
 <file path=ppt/slides/slide17.xml><?xml version="1.0" encoding="utf-8"?>
-<p:sld xmlns:a="http://schemas.openxmlformats.org/drawingml/2006/main" xmlns:r="http://schemas.openxmlformats.org/officeDocument/2006/relationships" xmlns:p="http://schemas.openxmlformats.org/presentationml/2006/main">
+<p:sld xmlns:a="http://schemas.openxmlformats.org/drawingml/2006/main" xmlns:p="http://schemas.openxmlformats.org/presentationml/2006/main" xmlns:r="http://schemas.openxmlformats.org/officeDocument/2006/relationships">
   <p:cSld>
     <p:spTree>
       <p:nvGrpSpPr>
@@ -4109,14 +3951,7 @@
         <p:cNvGrpSpPr/>
         <p:nvPr/>
       </p:nvGrpSpPr>
-      <p:grpSpPr>
-        <a:xfrm>
-          <a:off x="0" y="0"/>
-          <a:ext cx="0" cy="0"/>
-          <a:chOff x="0" y="0"/>
-          <a:chExt cx="0" cy="0"/>
-        </a:xfrm>
-      </p:grpSpPr>
+      <p:grpSpPr/>
       <p:sp>
         <p:nvSpPr>
           <p:cNvPr id="2" name="Title 1"/>
@@ -4154,51 +3989,51 @@
           <a:lstStyle/>
           <a:p>
             <a:r>
-              <a:t> The INI format is a simple format that uses sections and key/value pairs</a:t>
-            </a:r>
-          </a:p>
-          <a:p>
-            <a:r>
-              <a:t> The sections are the groups of hosts</a:t>
-            </a:r>
-          </a:p>
-          <a:p>
-            <a:r>
-              <a:t> The key/value pairs are the hosts and their attributes</a:t>
-            </a:r>
-          </a:p>
-          <a:p>
-            <a:r>
-              <a:t> The attributes are optional</a:t>
-            </a:r>
-          </a:p>
-          <a:p>
-            <a:r>
-              <a:t> The attributes are used to define the connection parameters</a:t>
-            </a:r>
-          </a:p>
-          <a:p>
-            <a:r>
-              <a:t> The attributes are defined in the form of key=value pairs</a:t>
-            </a:r>
-          </a:p>
-          <a:p>
-            <a:r>
-              <a:t> The attributes are defined after the host name</a:t>
-            </a:r>
-          </a:p>
-          <a:p>
-            <a:endParaRPr/>
-          </a:p>
-          <a:p>
-            <a:endParaRPr/>
-          </a:p>
-          <a:p>
-            <a:endParaRPr/>
-          </a:p>
-          <a:p>
-            <a:endParaRPr/>
-          </a:p>
+              <a:rPr b="1"/>
+              <a:t> Sections</a:t>
+            </a:r>
+            <a:r>
+              <a:t> : Group hosts under bracketed sections (e.g.,</a:t>
+            </a:r>
+            <a:r>
+              <a:rPr>
+                <a:latin typeface="Courier New"/>
+              </a:rPr>
+              <a:t> [webserver]</a:t>
+            </a:r>
+            <a:r>
+              <a:t> ).</a:t>
+            </a:r>
+          </a:p>
+          <a:p>
+            <a:r>
+              <a:rPr b="1"/>
+              <a:t> Hosts and Attributes</a:t>
+            </a:r>
+            <a:r>
+              <a:t> : You can specify hosts and their connection parameters using key-value pairs (e.g.,</a:t>
+            </a:r>
+            <a:r>
+              <a:rPr>
+                <a:latin typeface="Courier New"/>
+              </a:rPr>
+              <a:t> ansible_user=ubuntu</a:t>
+            </a:r>
+            <a:r>
+              <a:t> ).</a:t>
+            </a:r>
+          </a:p>
+          <a:p>
+            <a:r>
+              <a:rPr b="1"/>
+              <a:t> Optional Attributes</a:t>
+            </a:r>
+            <a:r>
+              <a:t> : If no attributes are specified, Ansible uses defaults (like SSH key-based authentication).</a:t>
+            </a:r>
+          </a:p>
+          <a:p/>
+          <a:p/>
         </p:txBody>
       </p:sp>
       <p:sp>
@@ -4250,8 +4085,8 @@
         </p:blipFill>
         <p:spPr>
           <a:xfrm>
-            <a:off x="704088" y="5303520"/>
-            <a:ext cx="993687" cy="1554480"/>
+            <a:off x="704088" y="3108960"/>
+            <a:ext cx="409165" cy="640080"/>
           </a:xfrm>
           <a:prstGeom prst="rect">
             <a:avLst/>
@@ -4267,7 +4102,7 @@
 </file>
 
 <file path=ppt/slides/slide18.xml><?xml version="1.0" encoding="utf-8"?>
-<p:sld xmlns:a="http://schemas.openxmlformats.org/drawingml/2006/main" xmlns:r="http://schemas.openxmlformats.org/officeDocument/2006/relationships" xmlns:p="http://schemas.openxmlformats.org/presentationml/2006/main">
+<p:sld xmlns:a="http://schemas.openxmlformats.org/drawingml/2006/main" xmlns:p="http://schemas.openxmlformats.org/presentationml/2006/main" xmlns:r="http://schemas.openxmlformats.org/officeDocument/2006/relationships">
   <p:cSld>
     <p:spTree>
       <p:nvGrpSpPr>
@@ -4275,14 +4110,7 @@
         <p:cNvGrpSpPr/>
         <p:nvPr/>
       </p:nvGrpSpPr>
-      <p:grpSpPr>
-        <a:xfrm>
-          <a:off x="0" y="0"/>
-          <a:ext cx="0" cy="0"/>
-          <a:chOff x="0" y="0"/>
-          <a:chExt cx="0" cy="0"/>
-        </a:xfrm>
-      </p:grpSpPr>
+      <p:grpSpPr/>
       <p:sp>
         <p:nvSpPr>
           <p:cNvPr id="2" name="Title 1"/>
@@ -4320,49 +4148,44 @@
           <a:lstStyle/>
           <a:p>
             <a:r>
-              <a:t> A static inventory is a list of hosts defined in a file</a:t>
-            </a:r>
-          </a:p>
-          <a:p>
-            <a:r>
-              <a:t> The file is usually called</a:t>
+              <a:rPr b="1"/>
+              <a:t> Defined in a File</a:t>
+            </a:r>
+            <a:r>
+              <a:t> : Commonly located in</a:t>
             </a:r>
             <a:r>
               <a:rPr>
                 <a:latin typeface="Courier New"/>
               </a:rPr>
-              <a:t> hosts</a:t>
-            </a:r>
-            <a:r>
-              <a:t> and is located in the</a:t>
-            </a:r>
-            <a:r>
-              <a:rPr>
-                <a:latin typeface="Courier New"/>
-              </a:rPr>
-              <a:t> /etc/ansible</a:t>
-            </a:r>
-            <a:r>
-              <a:t> directory</a:t>
-            </a:r>
-          </a:p>
-          <a:p>
-            <a:r>
-              <a:t> The file can be in any format, but the most common one is the INI format</a:t>
-            </a:r>
-          </a:p>
-          <a:p>
-            <a:endParaRPr/>
-          </a:p>
-          <a:p>
-            <a:endParaRPr/>
-          </a:p>
-          <a:p>
-            <a:endParaRPr/>
-          </a:p>
-          <a:p>
-            <a:endParaRPr/>
-          </a:p>
+              <a:t> /etc/ansible/hosts</a:t>
+            </a:r>
+            <a:r>
+              <a:t> .</a:t>
+            </a:r>
+          </a:p>
+          <a:p>
+            <a:r>
+              <a:rPr b="1"/>
+              <a:t> INI Format</a:t>
+            </a:r>
+            <a:r>
+              <a:t> : The most common format, but YAML and others are possible.</a:t>
+            </a:r>
+          </a:p>
+          <a:p>
+            <a:r>
+              <a:rPr b="1"/>
+              <a:t> Easy to Maintain</a:t>
+            </a:r>
+            <a:r>
+              <a:t> : Good for smaller environments or those that change infrequently.</a:t>
+            </a:r>
+          </a:p>
+          <a:p/>
+          <a:p/>
+          <a:p/>
+          <a:p/>
         </p:txBody>
       </p:sp>
       <p:sp>
@@ -4414,7 +4237,7 @@
         </p:blipFill>
         <p:spPr>
           <a:xfrm>
-            <a:off x="571500" y="3546197"/>
+            <a:off x="704088" y="3108960"/>
             <a:ext cx="5080000" cy="1828800"/>
           </a:xfrm>
           <a:prstGeom prst="rect">
@@ -4431,7 +4254,7 @@
 </file>
 
 <file path=ppt/slides/slide19.xml><?xml version="1.0" encoding="utf-8"?>
-<p:sld xmlns:a="http://schemas.openxmlformats.org/drawingml/2006/main" xmlns:r="http://schemas.openxmlformats.org/officeDocument/2006/relationships" xmlns:p="http://schemas.openxmlformats.org/presentationml/2006/main">
+<p:sld xmlns:a="http://schemas.openxmlformats.org/drawingml/2006/main" xmlns:p="http://schemas.openxmlformats.org/presentationml/2006/main" xmlns:r="http://schemas.openxmlformats.org/officeDocument/2006/relationships">
   <p:cSld>
     <p:spTree>
       <p:nvGrpSpPr>
@@ -4439,14 +4262,7 @@
         <p:cNvGrpSpPr/>
         <p:nvPr/>
       </p:nvGrpSpPr>
-      <p:grpSpPr>
-        <a:xfrm>
-          <a:off x="0" y="0"/>
-          <a:ext cx="0" cy="0"/>
-          <a:chOff x="0" y="0"/>
-          <a:chExt cx="0" cy="0"/>
-        </a:xfrm>
-      </p:grpSpPr>
+      <p:grpSpPr/>
       <p:sp>
         <p:nvSpPr>
           <p:cNvPr id="2" name="Title 1"/>
@@ -4482,21 +4298,10 @@
         <p:txBody>
           <a:bodyPr/>
           <a:lstStyle/>
-          <a:p>
-            <a:endParaRPr/>
-          </a:p>
-          <a:p>
-            <a:endParaRPr/>
-          </a:p>
-          <a:p>
-            <a:endParaRPr/>
-          </a:p>
-          <a:p>
-            <a:endParaRPr/>
-          </a:p>
-          <a:p>
-            <a:endParaRPr/>
-          </a:p>
+          <a:p/>
+          <a:p/>
+          <a:p/>
+          <a:p/>
         </p:txBody>
       </p:sp>
       <p:sp>
@@ -4549,7 +4354,7 @@
         <p:spPr>
           <a:xfrm>
             <a:off x="0" y="914400"/>
-            <a:ext cx="9093200" cy="3454400"/>
+            <a:ext cx="8966200" cy="3187700"/>
           </a:xfrm>
           <a:prstGeom prst="rect">
             <a:avLst/>
@@ -4565,7 +4370,7 @@
 </file>
 
 <file path=ppt/slides/slide2.xml><?xml version="1.0" encoding="utf-8"?>
-<p:sld xmlns:a="http://schemas.openxmlformats.org/drawingml/2006/main" xmlns:r="http://schemas.openxmlformats.org/officeDocument/2006/relationships" xmlns:p="http://schemas.openxmlformats.org/presentationml/2006/main">
+<p:sld xmlns:a="http://schemas.openxmlformats.org/drawingml/2006/main" xmlns:p="http://schemas.openxmlformats.org/presentationml/2006/main" xmlns:r="http://schemas.openxmlformats.org/officeDocument/2006/relationships">
   <p:cSld>
     <p:spTree>
       <p:nvGrpSpPr>
@@ -4573,14 +4378,7 @@
         <p:cNvGrpSpPr/>
         <p:nvPr/>
       </p:nvGrpSpPr>
-      <p:grpSpPr>
-        <a:xfrm>
-          <a:off x="0" y="0"/>
-          <a:ext cx="0" cy="0"/>
-          <a:chOff x="0" y="0"/>
-          <a:chExt cx="0" cy="0"/>
-        </a:xfrm>
-      </p:grpSpPr>
+      <p:grpSpPr/>
       <p:sp>
         <p:nvSpPr>
           <p:cNvPr id="2" name="Title 1"/>
@@ -4597,7 +4395,7 @@
           <a:lstStyle/>
           <a:p>
             <a:r>
-              <a:t>Stating a problem</a:t>
+              <a:t>Stating a Problem</a:t>
             </a:r>
           </a:p>
         </p:txBody>
@@ -4616,47 +4414,23 @@
         <p:txBody>
           <a:bodyPr/>
           <a:lstStyle/>
-          <a:p>
-            <a:endParaRPr/>
-          </a:p>
-          <a:p>
-            <a:endParaRPr/>
-          </a:p>
-          <a:p>
-            <a:endParaRPr/>
-          </a:p>
-          <a:p>
-            <a:endParaRPr/>
-          </a:p>
-          <a:p>
-            <a:endParaRPr/>
-          </a:p>
-          <a:p>
-            <a:endParaRPr/>
-          </a:p>
-          <a:p>
-            <a:endParaRPr/>
-          </a:p>
-          <a:p>
-            <a:endParaRPr/>
-          </a:p>
-          <a:p>
-            <a:endParaRPr/>
-          </a:p>
-          <a:p>
-            <a:endParaRPr/>
-          </a:p>
-          <a:p>
-            <a:endParaRPr/>
-          </a:p>
-          <a:p>
-            <a:endParaRPr/>
-          </a:p>
-          <a:p>
-            <a:endParaRPr/>
-          </a:p>
-          <a:p>
-            <a:endParaRPr/>
+          <a:p/>
+          <a:p/>
+          <a:p/>
+          <a:p/>
+          <a:p/>
+          <a:p/>
+          <a:p/>
+          <a:p/>
+          <a:p/>
+          <a:p/>
+          <a:p>
+            <a:r>
+              <a:t> Modern IT environments often require deploying and managing a large number of servers, applications, and services. When done manually, these tasks are error-prone, time-consuming, and difficult to</a:t>
+            </a:r>
+            <a:r>
+              <a:t> scale. Configuration drift, inconsistent updates, and lack of centralized management can create unnecessary complexity and risk.</a:t>
+            </a:r>
           </a:p>
         </p:txBody>
       </p:sp>
@@ -4709,8 +4483,8 @@
         </p:blipFill>
         <p:spPr>
           <a:xfrm>
-            <a:off x="1638300" y="1395825"/>
-            <a:ext cx="5506212" cy="5506212"/>
+            <a:off x="704088" y="914400"/>
+            <a:ext cx="7507224" cy="7507224"/>
           </a:xfrm>
           <a:prstGeom prst="rect">
             <a:avLst/>
@@ -4726,7 +4500,7 @@
 </file>
 
 <file path=ppt/slides/slide20.xml><?xml version="1.0" encoding="utf-8"?>
-<p:sld xmlns:a="http://schemas.openxmlformats.org/drawingml/2006/main" xmlns:r="http://schemas.openxmlformats.org/officeDocument/2006/relationships" xmlns:p="http://schemas.openxmlformats.org/presentationml/2006/main">
+<p:sld xmlns:a="http://schemas.openxmlformats.org/drawingml/2006/main" xmlns:p="http://schemas.openxmlformats.org/presentationml/2006/main" xmlns:r="http://schemas.openxmlformats.org/officeDocument/2006/relationships">
   <p:cSld>
     <p:spTree>
       <p:nvGrpSpPr>
@@ -4734,14 +4508,7 @@
         <p:cNvGrpSpPr/>
         <p:nvPr/>
       </p:nvGrpSpPr>
-      <p:grpSpPr>
-        <a:xfrm>
-          <a:off x="0" y="0"/>
-          <a:ext cx="0" cy="0"/>
-          <a:chOff x="0" y="0"/>
-          <a:chExt cx="0" cy="0"/>
-        </a:xfrm>
-      </p:grpSpPr>
+      <p:grpSpPr/>
       <p:sp>
         <p:nvSpPr>
           <p:cNvPr id="2" name="Title 1"/>
@@ -4779,36 +4546,47 @@
           <a:lstStyle/>
           <a:p>
             <a:r>
-              <a:t> A dynamic inventory is a list of hosts that is generated by a script</a:t>
-            </a:r>
-          </a:p>
-          <a:p>
-            <a:r>
-              <a:t> The script can be written in any language</a:t>
-            </a:r>
-          </a:p>
-          <a:p>
-            <a:r>
-              <a:t> The script can be written to query a database, a cloud provider, or any other source</a:t>
-            </a:r>
-          </a:p>
-          <a:p>
-            <a:r>
-              <a:t> The script must return a JSON object with the list of hosts and their attributes</a:t>
-            </a:r>
-          </a:p>
-          <a:p>
-            <a:r>
-              <a:t> The script must be located in the</a:t>
+              <a:rPr b="1"/>
+              <a:t> Script-Driven</a:t>
+            </a:r>
+            <a:r>
+              <a:t> : Hosts are populated dynamically using external data sources, such as cloud provider APIs or CMDBs.</a:t>
+            </a:r>
+          </a:p>
+          <a:p>
+            <a:r>
+              <a:rPr b="1"/>
+              <a:t> Format</a:t>
+            </a:r>
+            <a:r>
+              <a:t> : The script outputs JSON describing groups, hosts, and associated variables.</a:t>
+            </a:r>
+          </a:p>
+          <a:p>
+            <a:r>
+              <a:rPr b="1"/>
+              <a:t> Location</a:t>
+            </a:r>
+            <a:r>
+              <a:t> : By default, Ansible will look in</a:t>
             </a:r>
             <a:r>
               <a:rPr>
                 <a:latin typeface="Courier New"/>
               </a:rPr>
-              <a:t> /etc/ansible</a:t>
-            </a:r>
-            <a:r>
-              <a:t> directory</a:t>
+              <a:t> /etc/ansible/hosts</a:t>
+            </a:r>
+            <a:r>
+              <a:t> or the directory specified with</a:t>
+            </a:r>
+            <a:r>
+              <a:rPr>
+                <a:latin typeface="Courier New"/>
+              </a:rPr>
+              <a:t> -i</a:t>
+            </a:r>
+            <a:r>
+              <a:t> .</a:t>
             </a:r>
           </a:p>
         </p:txBody>
@@ -4855,7 +4633,7 @@
 </file>
 
 <file path=ppt/slides/slide21.xml><?xml version="1.0" encoding="utf-8"?>
-<p:sld xmlns:a="http://schemas.openxmlformats.org/drawingml/2006/main" xmlns:r="http://schemas.openxmlformats.org/officeDocument/2006/relationships" xmlns:p="http://schemas.openxmlformats.org/presentationml/2006/main">
+<p:sld xmlns:a="http://schemas.openxmlformats.org/drawingml/2006/main" xmlns:p="http://schemas.openxmlformats.org/presentationml/2006/main" xmlns:r="http://schemas.openxmlformats.org/officeDocument/2006/relationships">
   <p:cSld>
     <p:spTree>
       <p:nvGrpSpPr>
@@ -4863,14 +4641,7 @@
         <p:cNvGrpSpPr/>
         <p:nvPr/>
       </p:nvGrpSpPr>
-      <p:grpSpPr>
-        <a:xfrm>
-          <a:off x="0" y="0"/>
-          <a:ext cx="0" cy="0"/>
-          <a:chOff x="0" y="0"/>
-          <a:chExt cx="0" cy="0"/>
-        </a:xfrm>
-      </p:grpSpPr>
+      <p:grpSpPr/>
       <p:sp>
         <p:nvSpPr>
           <p:cNvPr id="2" name="Subtitle 1"/>
@@ -4878,7 +4649,7 @@
             <a:spLocks noGrp="1"/>
           </p:cNvSpPr>
           <p:nvPr>
-            <p:ph type="subTitle" sz="quarter" idx="1"/>
+            <p:ph type="subTitle" idx="1" sz="quarter"/>
           </p:nvPr>
         </p:nvSpPr>
         <p:spPr/>
@@ -4891,7 +4662,10 @@
             </a:pPr>
             <a:r>
               <a:t>Why Agentless?
-Inventory
+</a:t>
+            </a:r>
+            <a:r>
+              <a:t>Inventory
 </a:t>
             </a:r>
             <a:r>
@@ -4914,15 +4688,10 @@
         </p:nvSpPr>
         <p:spPr/>
         <p:txBody>
-          <a:bodyPr wrap="square">
-            <a:noAutofit/>
-          </a:bodyPr>
-          <a:lstStyle/>
-          <a:p>
-            <a:r>
-              <a:rPr sz="4200" b="1" i="0">
-                <a:latin typeface="Times New Roman"/>
-              </a:rPr>
+          <a:bodyPr/>
+          <a:lstStyle/>
+          <a:p>
+            <a:r>
               <a:t>Install Ansible</a:t>
             </a:r>
           </a:p>
@@ -4970,7 +4739,7 @@
 </file>
 
 <file path=ppt/slides/slide22.xml><?xml version="1.0" encoding="utf-8"?>
-<p:sld xmlns:a="http://schemas.openxmlformats.org/drawingml/2006/main" xmlns:r="http://schemas.openxmlformats.org/officeDocument/2006/relationships" xmlns:p="http://schemas.openxmlformats.org/presentationml/2006/main">
+<p:sld xmlns:a="http://schemas.openxmlformats.org/drawingml/2006/main" xmlns:p="http://schemas.openxmlformats.org/presentationml/2006/main" xmlns:r="http://schemas.openxmlformats.org/officeDocument/2006/relationships">
   <p:cSld>
     <p:spTree>
       <p:nvGrpSpPr>
@@ -4978,14 +4747,7 @@
         <p:cNvGrpSpPr/>
         <p:nvPr/>
       </p:nvGrpSpPr>
-      <p:grpSpPr>
-        <a:xfrm>
-          <a:off x="0" y="0"/>
-          <a:ext cx="0" cy="0"/>
-          <a:chOff x="0" y="0"/>
-          <a:chExt cx="0" cy="0"/>
-        </a:xfrm>
-      </p:grpSpPr>
+      <p:grpSpPr/>
       <p:sp>
         <p:nvSpPr>
           <p:cNvPr id="2" name="Title 1"/>
@@ -5023,35 +4785,38 @@
           <a:lstStyle/>
           <a:p>
             <a:r>
-              <a:t> Ansible is written in Python and, as such, can be installed on a wide range of systems</a:t>
-            </a:r>
-          </a:p>
-          <a:p>
-            <a:pPr lvl="1"/>
-            <a:r>
-              <a:t> Debian</a:t>
-            </a:r>
-          </a:p>
-          <a:p>
-            <a:pPr lvl="1"/>
-            <a:r>
-              <a:t> RedHat</a:t>
-            </a:r>
-          </a:p>
-          <a:p>
-            <a:pPr lvl="1"/>
-            <a:r>
-              <a:t> FreeBSD</a:t>
-            </a:r>
-          </a:p>
-          <a:p>
-            <a:r>
+              <a:rPr b="1"/>
+              <a:t> Language</a:t>
+            </a:r>
+            <a:r>
+              <a:t> : Ansible is primarily written in Python, allowing it to run on many OSes including Debian, Red Hat-based distributions, and FreeBSD.</a:t>
+            </a:r>
+          </a:p>
+          <a:p>
+            <a:r>
+              <a:rPr b="1"/>
               <a:t> macOS</a:t>
             </a:r>
-          </a:p>
-          <a:p>
-            <a:r>
-              <a:t> The one exception to this is Windows, though native Python distributions exist, there is yet no native Ansible build.</a:t>
+            <a:r>
+              <a:t> : Can be installed via</a:t>
+            </a:r>
+            <a:r>
+              <a:rPr>
+                <a:latin typeface="Courier New"/>
+              </a:rPr>
+              <a:t> pip</a:t>
+            </a:r>
+            <a:r>
+              <a:t> , Homebrew, or other package managers.</a:t>
+            </a:r>
+          </a:p>
+          <a:p>
+            <a:r>
+              <a:rPr b="1"/>
+              <a:t> Windows</a:t>
+            </a:r>
+            <a:r>
+              <a:t> : Native installation is not officially supported, but WSL (Windows Subsystem for Linux) or Python distributions can be used.</a:t>
             </a:r>
           </a:p>
         </p:txBody>
@@ -5098,7 +4863,7 @@
 </file>
 
 <file path=ppt/slides/slide23.xml><?xml version="1.0" encoding="utf-8"?>
-<p:sld xmlns:a="http://schemas.openxmlformats.org/drawingml/2006/main" xmlns:r="http://schemas.openxmlformats.org/officeDocument/2006/relationships" xmlns:p="http://schemas.openxmlformats.org/presentationml/2006/main">
+<p:sld xmlns:a="http://schemas.openxmlformats.org/drawingml/2006/main" xmlns:p="http://schemas.openxmlformats.org/presentationml/2006/main" xmlns:r="http://schemas.openxmlformats.org/officeDocument/2006/relationships">
   <p:cSld>
     <p:spTree>
       <p:nvGrpSpPr>
@@ -5106,14 +4871,7 @@
         <p:cNvGrpSpPr/>
         <p:nvPr/>
       </p:nvGrpSpPr>
-      <p:grpSpPr>
-        <a:xfrm>
-          <a:off x="0" y="0"/>
-          <a:ext cx="0" cy="0"/>
-          <a:chOff x="0" y="0"/>
-          <a:chExt cx="0" cy="0"/>
-        </a:xfrm>
-      </p:grpSpPr>
+      <p:grpSpPr/>
       <p:sp>
         <p:nvSpPr>
           <p:cNvPr id="2" name="Title 1"/>
@@ -5151,32 +4909,37 @@
           <a:lstStyle/>
           <a:p>
             <a:r>
-              <a:t> The release cycle for Ansible is usually about four months, and during this short release cycle, there are normally many changes, from minor bug fixes to major ones, to new features and even sometimes fundamental changes.</a:t>
-            </a:r>
-          </a:p>
-          <a:p>
-            <a:r>
-              <a:t> The simplest way to not only get up and running with Ansible but to keep yourself up to date is to use the native packages built for your operating system where they are available.</a:t>
-            </a:r>
-          </a:p>
-          <a:p>
-            <a:endParaRPr/>
-          </a:p>
-          <a:p>
-            <a:endParaRPr/>
-          </a:p>
-          <a:p>
-            <a:endParaRPr/>
-          </a:p>
-          <a:p>
-            <a:endParaRPr/>
-          </a:p>
-          <a:p>
-            <a:endParaRPr/>
-          </a:p>
-          <a:p>
-            <a:endParaRPr/>
-          </a:p>
+              <a:rPr b="1"/>
+              <a:t> Frequency</a:t>
+            </a:r>
+            <a:r>
+              <a:t> : A new Ansible release occurs approximately every four months.</a:t>
+            </a:r>
+          </a:p>
+          <a:p>
+            <a:r>
+              <a:rPr b="1"/>
+              <a:t> Changes</a:t>
+            </a:r>
+            <a:r>
+              <a:t> : Each release may include bug fixes, new features, or even significant architecture updates.</a:t>
+            </a:r>
+          </a:p>
+          <a:p>
+            <a:r>
+              <a:rPr b="1"/>
+              <a:t> Best Practice</a:t>
+            </a:r>
+            <a:r>
+              <a:t> : Use official Ansible packages or repositories to stay up to date with the latest stable releases.</a:t>
+            </a:r>
+          </a:p>
+          <a:p/>
+          <a:p/>
+          <a:p/>
+          <a:p/>
+          <a:p/>
+          <a:p/>
         </p:txBody>
       </p:sp>
       <p:sp>
@@ -5228,7 +4991,7 @@
         </p:blipFill>
         <p:spPr>
           <a:xfrm>
-            <a:off x="704088" y="4864608"/>
+            <a:off x="704088" y="3547872"/>
             <a:ext cx="3175000" cy="3175000"/>
           </a:xfrm>
           <a:prstGeom prst="rect">
@@ -5245,7 +5008,7 @@
 </file>
 
 <file path=ppt/slides/slide24.xml><?xml version="1.0" encoding="utf-8"?>
-<p:sld xmlns:a="http://schemas.openxmlformats.org/drawingml/2006/main" xmlns:r="http://schemas.openxmlformats.org/officeDocument/2006/relationships" xmlns:p="http://schemas.openxmlformats.org/presentationml/2006/main">
+<p:sld xmlns:a="http://schemas.openxmlformats.org/drawingml/2006/main" xmlns:p="http://schemas.openxmlformats.org/presentationml/2006/main" xmlns:r="http://schemas.openxmlformats.org/officeDocument/2006/relationships">
   <p:cSld>
     <p:spTree>
       <p:nvGrpSpPr>
@@ -5253,14 +5016,7 @@
         <p:cNvGrpSpPr/>
         <p:nvPr/>
       </p:nvGrpSpPr>
-      <p:grpSpPr>
-        <a:xfrm>
-          <a:off x="0" y="0"/>
-          <a:ext cx="0" cy="0"/>
-          <a:chOff x="0" y="0"/>
-          <a:chExt cx="0" cy="0"/>
-        </a:xfrm>
-      </p:grpSpPr>
+      <p:grpSpPr/>
       <p:sp>
         <p:nvSpPr>
           <p:cNvPr id="2" name="Title 1"/>
@@ -5298,10 +5054,21 @@
           <a:lstStyle/>
           <a:p>
             <a:r>
-              <a:t> Install Ansible</a:t>
-            </a:r>
-          </a:p>
-          <a:p>
+              <a:rPr b="1"/>
+              <a:t> Task</a:t>
+            </a:r>
+            <a:r>
+              <a:t> : Install Ansible</a:t>
+            </a:r>
+          </a:p>
+          <a:p>
+            <a:r>
+              <a:rPr b="1"/>
+              <a:t> Instructions</a:t>
+            </a:r>
+            <a:r>
+              <a:t> :</a:t>
+            </a:r>
             <a:r>
               <a:t> https://github.com/elephantscale/ansible-labs/blob/main/setup/Install-Ansible.md</a:t>
             </a:r>
@@ -5350,7 +5117,7 @@
 </file>
 
 <file path=ppt/slides/slide25.xml><?xml version="1.0" encoding="utf-8"?>
-<p:sld xmlns:a="http://schemas.openxmlformats.org/drawingml/2006/main" xmlns:r="http://schemas.openxmlformats.org/officeDocument/2006/relationships" xmlns:p="http://schemas.openxmlformats.org/presentationml/2006/main">
+<p:sld xmlns:a="http://schemas.openxmlformats.org/drawingml/2006/main" xmlns:p="http://schemas.openxmlformats.org/presentationml/2006/main" xmlns:r="http://schemas.openxmlformats.org/officeDocument/2006/relationships">
   <p:cSld>
     <p:spTree>
       <p:nvGrpSpPr>
@@ -5358,14 +5125,7 @@
         <p:cNvGrpSpPr/>
         <p:nvPr/>
       </p:nvGrpSpPr>
-      <p:grpSpPr>
-        <a:xfrm>
-          <a:off x="0" y="0"/>
-          <a:ext cx="0" cy="0"/>
-          <a:chOff x="0" y="0"/>
-          <a:chExt cx="0" cy="0"/>
-        </a:xfrm>
-      </p:grpSpPr>
+      <p:grpSpPr/>
       <p:sp>
         <p:nvSpPr>
           <p:cNvPr id="2" name="Title 1"/>
@@ -5401,9 +5161,7 @@
         <p:txBody>
           <a:bodyPr/>
           <a:lstStyle/>
-          <a:p>
-            <a:endParaRPr/>
-          </a:p>
+          <a:p/>
         </p:txBody>
       </p:sp>
       <p:sp>
@@ -5448,7 +5206,7 @@
 </file>
 
 <file path=ppt/slides/slide26.xml><?xml version="1.0" encoding="utf-8"?>
-<p:sld xmlns:a="http://schemas.openxmlformats.org/drawingml/2006/main" xmlns:r="http://schemas.openxmlformats.org/officeDocument/2006/relationships" xmlns:p="http://schemas.openxmlformats.org/presentationml/2006/main">
+<p:sld xmlns:a="http://schemas.openxmlformats.org/drawingml/2006/main" xmlns:p="http://schemas.openxmlformats.org/presentationml/2006/main" xmlns:r="http://schemas.openxmlformats.org/officeDocument/2006/relationships">
   <p:cSld>
     <p:spTree>
       <p:nvGrpSpPr>
@@ -5456,14 +5214,7 @@
         <p:cNvGrpSpPr/>
         <p:nvPr/>
       </p:nvGrpSpPr>
-      <p:grpSpPr>
-        <a:xfrm>
-          <a:off x="0" y="0"/>
-          <a:ext cx="0" cy="0"/>
-          <a:chOff x="0" y="0"/>
-          <a:chExt cx="0" cy="0"/>
-        </a:xfrm>
-      </p:grpSpPr>
+      <p:grpSpPr/>
       <p:sp>
         <p:nvSpPr>
           <p:cNvPr id="2" name="Title 1"/>
@@ -5501,7 +5252,11 @@
           <a:lstStyle/>
           <a:p>
             <a:r>
-              <a:t> An Ansible ad hoc command uses the</a:t>
+              <a:rPr b="1"/>
+              <a:t> Definition</a:t>
+            </a:r>
+            <a:r>
+              <a:t> : Quick, one-off Ansible commands run from the CLI using the</a:t>
             </a:r>
             <a:r>
               <a:rPr>
@@ -5510,32 +5265,82 @@
               <a:t> ansible</a:t>
             </a:r>
             <a:r>
-              <a:t> command-line tool to automate a single task on one or more managed nodes.</a:t>
-            </a:r>
-          </a:p>
-          <a:p>
-            <a:r>
-              <a:t> ad hoc commands are quick and easy, but they are not reusable.</a:t>
-            </a:r>
-          </a:p>
-          <a:p>
-            <a:r>
-              <a:t> ad hoc tasks can be used to reboot servers, copy files, manage packages and users, and much more.* You can use any Ansible module in an ad hoc task.* ad hoc commands demonstrate the simplicity and power of Ansible</a:t>
-            </a:r>
-          </a:p>
-          <a:p>
-            <a:r>
-              <a:t> It will port over directly to the playbook language</a:t>
-            </a:r>
-          </a:p>
-          <a:p>
-            <a:r>
-              <a:t> For every ad hoc command you run, you will get a response in JSON format</a:t>
-            </a:r>
-          </a:p>
-          <a:p>
-            <a:r>
-              <a:t> You can use the</a:t>
+              <a:t> command.</a:t>
+            </a:r>
+          </a:p>
+          <a:p>
+            <a:r>
+              <a:rPr b="1"/>
+              <a:t> Non-Reusable</a:t>
+            </a:r>
+            <a:r>
+              <a:t> : Ideal for immediate tasks (e.g., checking connectivity, rebooting a server), but not for ongoing tasks.</a:t>
+            </a:r>
+          </a:p>
+          <a:p>
+            <a:r>
+              <a:rPr b="1"/>
+              <a:t> Examples of Use</a:t>
+            </a:r>
+            <a:r>
+              <a:t> :</a:t>
+            </a:r>
+          </a:p>
+          <a:p>
+            <a:pPr lvl="1"/>
+            <a:r>
+              <a:rPr b="1"/>
+              <a:t> Reboot Servers</a:t>
+            </a:r>
+          </a:p>
+          <a:p>
+            <a:pPr lvl="1"/>
+            <a:r>
+              <a:rPr b="1"/>
+              <a:t> Copy Files</a:t>
+            </a:r>
+          </a:p>
+          <a:p>
+            <a:pPr lvl="1"/>
+            <a:r>
+              <a:rPr b="1"/>
+              <a:t> Manage Packages and Users</a:t>
+            </a:r>
+          </a:p>
+          <a:p>
+            <a:r>
+              <a:rPr b="1"/>
+              <a:t> Modules</a:t>
+            </a:r>
+            <a:r>
+              <a:t> : You can invoke any Ansible module (e.g.,</a:t>
+            </a:r>
+            <a:r>
+              <a:rPr>
+                <a:latin typeface="Courier New"/>
+              </a:rPr>
+              <a:t> ping</a:t>
+            </a:r>
+            <a:r>
+              <a:t> ,</a:t>
+            </a:r>
+            <a:r>
+              <a:rPr>
+                <a:latin typeface="Courier New"/>
+              </a:rPr>
+              <a:t> shell</a:t>
+            </a:r>
+            <a:r>
+              <a:t> ,</a:t>
+            </a:r>
+            <a:r>
+              <a:rPr>
+                <a:latin typeface="Courier New"/>
+              </a:rPr>
+              <a:t> yum</a:t>
+            </a:r>
+            <a:r>
+              <a:t> ) with</a:t>
             </a:r>
             <a:r>
               <a:rPr>
@@ -5544,12 +5349,16 @@
               <a:t> -m</a:t>
             </a:r>
             <a:r>
-              <a:t> option to specify the module to use</a:t>
-            </a:r>
-          </a:p>
-          <a:p>
-            <a:r>
-              <a:t> You can use the</a:t>
+              <a:t> .</a:t>
+            </a:r>
+          </a:p>
+          <a:p>
+            <a:r>
+              <a:rPr b="1"/>
+              <a:t> Arguments</a:t>
+            </a:r>
+            <a:r>
+              <a:t> : Pass parameters using</a:t>
             </a:r>
             <a:r>
               <a:rPr>
@@ -5558,12 +5367,16 @@
               <a:t> -a</a:t>
             </a:r>
             <a:r>
-              <a:t> option to specify the arguments to pass to the module</a:t>
-            </a:r>
-          </a:p>
-          <a:p>
-            <a:r>
-              <a:t> You can use the</a:t>
+              <a:t> .</a:t>
+            </a:r>
+          </a:p>
+          <a:p>
+            <a:r>
+              <a:rPr b="1"/>
+              <a:t> Inventory</a:t>
+            </a:r>
+            <a:r>
+              <a:t> : Specify inventory location (or use default) with</a:t>
             </a:r>
             <a:r>
               <a:rPr>
@@ -5572,7 +5385,7 @@
               <a:t> -i</a:t>
             </a:r>
             <a:r>
-              <a:t> option to specify the inventory file to use</a:t>
+              <a:t> .</a:t>
             </a:r>
           </a:p>
         </p:txBody>
@@ -5619,7 +5432,7 @@
 </file>
 
 <file path=ppt/slides/slide27.xml><?xml version="1.0" encoding="utf-8"?>
-<p:sld xmlns:a="http://schemas.openxmlformats.org/drawingml/2006/main" xmlns:r="http://schemas.openxmlformats.org/officeDocument/2006/relationships" xmlns:p="http://schemas.openxmlformats.org/presentationml/2006/main">
+<p:sld xmlns:a="http://schemas.openxmlformats.org/drawingml/2006/main" xmlns:p="http://schemas.openxmlformats.org/presentationml/2006/main" xmlns:r="http://schemas.openxmlformats.org/officeDocument/2006/relationships">
   <p:cSld>
     <p:spTree>
       <p:nvGrpSpPr>
@@ -5627,14 +5440,7 @@
         <p:cNvGrpSpPr/>
         <p:nvPr/>
       </p:nvGrpSpPr>
-      <p:grpSpPr>
-        <a:xfrm>
-          <a:off x="0" y="0"/>
-          <a:ext cx="0" cy="0"/>
-          <a:chOff x="0" y="0"/>
-          <a:chExt cx="0" cy="0"/>
-        </a:xfrm>
-      </p:grpSpPr>
+      <p:grpSpPr/>
       <p:sp>
         <p:nvSpPr>
           <p:cNvPr id="2" name="Title 1"/>
@@ -5670,8 +5476,29 @@
         <p:txBody>
           <a:bodyPr/>
           <a:lstStyle/>
-          <a:p>
-            <a:endParaRPr/>
+          <a:p/>
+          <a:p>
+            <a:r>
+              <a:t> This command uses the</a:t>
+            </a:r>
+            <a:r>
+              <a:rPr>
+                <a:latin typeface="Courier New"/>
+              </a:rPr>
+              <a:t> ping</a:t>
+            </a:r>
+            <a:r>
+              <a:t> module to check connectivity against all hosts defined in the</a:t>
+            </a:r>
+            <a:r>
+              <a:rPr>
+                <a:latin typeface="Courier New"/>
+              </a:rPr>
+              <a:t> hosts</a:t>
+            </a:r>
+            <a:r>
+              <a:t> file.</a:t>
+            </a:r>
           </a:p>
         </p:txBody>
       </p:sp>
@@ -5741,7 +5568,7 @@
 </file>
 
 <file path=ppt/slides/slide28.xml><?xml version="1.0" encoding="utf-8"?>
-<p:sld xmlns:a="http://schemas.openxmlformats.org/drawingml/2006/main" xmlns:r="http://schemas.openxmlformats.org/officeDocument/2006/relationships" xmlns:p="http://schemas.openxmlformats.org/presentationml/2006/main">
+<p:sld xmlns:a="http://schemas.openxmlformats.org/drawingml/2006/main" xmlns:p="http://schemas.openxmlformats.org/presentationml/2006/main" xmlns:r="http://schemas.openxmlformats.org/officeDocument/2006/relationships">
   <p:cSld>
     <p:spTree>
       <p:nvGrpSpPr>
@@ -5749,14 +5576,7 @@
         <p:cNvGrpSpPr/>
         <p:nvPr/>
       </p:nvGrpSpPr>
-      <p:grpSpPr>
-        <a:xfrm>
-          <a:off x="0" y="0"/>
-          <a:ext cx="0" cy="0"/>
-          <a:chOff x="0" y="0"/>
-          <a:chExt cx="0" cy="0"/>
-        </a:xfrm>
-      </p:grpSpPr>
+      <p:grpSpPr/>
       <p:sp>
         <p:nvSpPr>
           <p:cNvPr id="2" name="Title 1"/>
@@ -5794,15 +5614,26 @@
           <a:lstStyle/>
           <a:p>
             <a:r>
-              <a:t> Adhoc Lab</a:t>
-            </a:r>
-          </a:p>
-          <a:p>
+              <a:rPr b="1"/>
+              <a:t> Objective</a:t>
+            </a:r>
+            <a:r>
+              <a:t> : Practice running Ad-Hoc commands</a:t>
+            </a:r>
+          </a:p>
+          <a:p>
+            <a:r>
+              <a:rPr b="1"/>
+              <a:t> Instructions</a:t>
+            </a:r>
+            <a:r>
+              <a:t> :</a:t>
+            </a:r>
             <a:r>
               <a:rPr>
                 <a:hlinkClick r:id="rId2"/>
               </a:rPr>
-              <a:t> https://github.com/elephantscale/ansible-labs/tree/main/adhoc</a:t>
+              <a:t> Ansible Labs - Adhoc</a:t>
             </a:r>
           </a:p>
         </p:txBody>
@@ -5849,7 +5680,7 @@
 </file>
 
 <file path=ppt/slides/slide3.xml><?xml version="1.0" encoding="utf-8"?>
-<p:sld xmlns:a="http://schemas.openxmlformats.org/drawingml/2006/main" xmlns:r="http://schemas.openxmlformats.org/officeDocument/2006/relationships" xmlns:p="http://schemas.openxmlformats.org/presentationml/2006/main">
+<p:sld xmlns:a="http://schemas.openxmlformats.org/drawingml/2006/main" xmlns:p="http://schemas.openxmlformats.org/presentationml/2006/main" xmlns:r="http://schemas.openxmlformats.org/officeDocument/2006/relationships">
   <p:cSld>
     <p:spTree>
       <p:nvGrpSpPr>
@@ -5857,14 +5688,7 @@
         <p:cNvGrpSpPr/>
         <p:nvPr/>
       </p:nvGrpSpPr>
-      <p:grpSpPr>
-        <a:xfrm>
-          <a:off x="0" y="0"/>
-          <a:ext cx="0" cy="0"/>
-          <a:chOff x="0" y="0"/>
-          <a:chExt cx="0" cy="0"/>
-        </a:xfrm>
-      </p:grpSpPr>
+      <p:grpSpPr/>
       <p:sp>
         <p:nvSpPr>
           <p:cNvPr id="2" name="Title 1"/>
@@ -5900,47 +5724,26 @@
         <p:txBody>
           <a:bodyPr/>
           <a:lstStyle/>
-          <a:p>
-            <a:endParaRPr/>
-          </a:p>
-          <a:p>
-            <a:endParaRPr/>
-          </a:p>
-          <a:p>
-            <a:endParaRPr/>
-          </a:p>
-          <a:p>
-            <a:endParaRPr/>
-          </a:p>
-          <a:p>
-            <a:endParaRPr/>
-          </a:p>
-          <a:p>
-            <a:endParaRPr/>
-          </a:p>
-          <a:p>
-            <a:endParaRPr/>
-          </a:p>
-          <a:p>
-            <a:endParaRPr/>
-          </a:p>
-          <a:p>
-            <a:endParaRPr/>
-          </a:p>
-          <a:p>
-            <a:endParaRPr/>
-          </a:p>
-          <a:p>
-            <a:endParaRPr/>
-          </a:p>
-          <a:p>
-            <a:endParaRPr/>
-          </a:p>
-          <a:p>
-            <a:endParaRPr/>
-          </a:p>
-          <a:p>
-            <a:endParaRPr/>
+          <a:p/>
+          <a:p/>
+          <a:p/>
+          <a:p/>
+          <a:p/>
+          <a:p/>
+          <a:p/>
+          <a:p/>
+          <a:p/>
+          <a:p>
+            <a:r>
+              <a:rPr b="1"/>
+              <a:t> Automation</a:t>
+            </a:r>
+            <a:r>
+              <a:t> is the key to addressing these challenges. By using tools that enable streamlined, repeatable processes, organizations can ensure consistency, reduce human error, and achieve faster</a:t>
+            </a:r>
+            <a:r>
+              <a:t> deployments.</a:t>
+            </a:r>
           </a:p>
         </p:txBody>
       </p:sp>
@@ -5993,8 +5796,8 @@
         </p:blipFill>
         <p:spPr>
           <a:xfrm>
-            <a:off x="2552319" y="1344584"/>
-            <a:ext cx="4972812" cy="6478842"/>
+            <a:off x="704088" y="914400"/>
+            <a:ext cx="7507224" cy="9780807"/>
           </a:xfrm>
           <a:prstGeom prst="rect">
             <a:avLst/>
@@ -6010,7 +5813,7 @@
 </file>
 
 <file path=ppt/slides/slide4.xml><?xml version="1.0" encoding="utf-8"?>
-<p:sld xmlns:a="http://schemas.openxmlformats.org/drawingml/2006/main" xmlns:r="http://schemas.openxmlformats.org/officeDocument/2006/relationships" xmlns:p="http://schemas.openxmlformats.org/presentationml/2006/main">
+<p:sld xmlns:a="http://schemas.openxmlformats.org/drawingml/2006/main" xmlns:p="http://schemas.openxmlformats.org/presentationml/2006/main" xmlns:r="http://schemas.openxmlformats.org/officeDocument/2006/relationships">
   <p:cSld>
     <p:spTree>
       <p:nvGrpSpPr>
@@ -6018,14 +5821,7 @@
         <p:cNvGrpSpPr/>
         <p:nvPr/>
       </p:nvGrpSpPr>
-      <p:grpSpPr>
-        <a:xfrm>
-          <a:off x="0" y="0"/>
-          <a:ext cx="0" cy="0"/>
-          <a:chOff x="0" y="0"/>
-          <a:chExt cx="0" cy="0"/>
-        </a:xfrm>
-      </p:grpSpPr>
+      <p:grpSpPr/>
       <p:sp>
         <p:nvSpPr>
           <p:cNvPr id="2" name="Title 1"/>
@@ -6061,42 +5857,24 @@
         <p:txBody>
           <a:bodyPr/>
           <a:lstStyle/>
-          <a:p>
-            <a:endParaRPr/>
-          </a:p>
-          <a:p>
-            <a:endParaRPr/>
-          </a:p>
-          <a:p>
-            <a:endParaRPr/>
-          </a:p>
-          <a:p>
-            <a:endParaRPr/>
-          </a:p>
-          <a:p>
-            <a:endParaRPr/>
-          </a:p>
-          <a:p>
-            <a:endParaRPr/>
-          </a:p>
-          <a:p>
-            <a:endParaRPr/>
-          </a:p>
-          <a:p>
-            <a:endParaRPr/>
-          </a:p>
-          <a:p>
-            <a:endParaRPr/>
-          </a:p>
-          <a:p>
-            <a:endParaRPr/>
-          </a:p>
-          <a:p>
-            <a:endParaRPr/>
-          </a:p>
-          <a:p>
-            <a:r>
-              <a:t> Automating the management and deployment of a large infrastructure</a:t>
+          <a:p/>
+          <a:p/>
+          <a:p/>
+          <a:p/>
+          <a:p/>
+          <a:p/>
+          <a:p/>
+          <a:p/>
+          <a:p/>
+          <a:p/>
+          <a:p>
+            <a:r>
+              <a:t> Automating the management and deployment of a large infrastructure is essential to maintain consistency and scalability.</a:t>
+            </a:r>
+          </a:p>
+          <a:p>
+            <a:r>
+              <a:t> Ansible is one such automation tool that makes it easy to define, manage, and orchestrate IT environments in a repeatable, secure, and predictable way.</a:t>
             </a:r>
           </a:p>
         </p:txBody>
@@ -6167,7 +5945,7 @@
 </file>
 
 <file path=ppt/slides/slide5.xml><?xml version="1.0" encoding="utf-8"?>
-<p:sld xmlns:a="http://schemas.openxmlformats.org/drawingml/2006/main" xmlns:r="http://schemas.openxmlformats.org/officeDocument/2006/relationships" xmlns:p="http://schemas.openxmlformats.org/presentationml/2006/main">
+<p:sld xmlns:a="http://schemas.openxmlformats.org/drawingml/2006/main" xmlns:p="http://schemas.openxmlformats.org/presentationml/2006/main" xmlns:r="http://schemas.openxmlformats.org/officeDocument/2006/relationships">
   <p:cSld>
     <p:spTree>
       <p:nvGrpSpPr>
@@ -6175,14 +5953,7 @@
         <p:cNvGrpSpPr/>
         <p:nvPr/>
       </p:nvGrpSpPr>
-      <p:grpSpPr>
-        <a:xfrm>
-          <a:off x="0" y="0"/>
-          <a:ext cx="0" cy="0"/>
-          <a:chOff x="0" y="0"/>
-          <a:chExt cx="0" cy="0"/>
-        </a:xfrm>
-      </p:grpSpPr>
+      <p:grpSpPr/>
       <p:sp>
         <p:nvSpPr>
           <p:cNvPr id="2" name="Title 1"/>
@@ -6218,48 +5989,20 @@
         <p:txBody>
           <a:bodyPr/>
           <a:lstStyle/>
-          <a:p>
-            <a:endParaRPr/>
-          </a:p>
-          <a:p>
-            <a:endParaRPr/>
-          </a:p>
-          <a:p>
-            <a:endParaRPr/>
-          </a:p>
-          <a:p>
-            <a:endParaRPr/>
-          </a:p>
-          <a:p>
-            <a:endParaRPr/>
-          </a:p>
-          <a:p>
-            <a:endParaRPr/>
-          </a:p>
-          <a:p>
-            <a:endParaRPr/>
-          </a:p>
-          <a:p>
-            <a:endParaRPr/>
-          </a:p>
-          <a:p>
-            <a:endParaRPr/>
-          </a:p>
-          <a:p>
-            <a:endParaRPr/>
-          </a:p>
-          <a:p>
-            <a:endParaRPr/>
-          </a:p>
-          <a:p>
-            <a:endParaRPr/>
-          </a:p>
-          <a:p>
-            <a:endParaRPr/>
-          </a:p>
-          <a:p>
-            <a:endParaRPr/>
-          </a:p>
+          <a:p/>
+          <a:p/>
+          <a:p/>
+          <a:p/>
+          <a:p/>
+          <a:p/>
+          <a:p/>
+          <a:p/>
+          <a:p/>
+          <a:p/>
+          <a:p/>
+          <a:p/>
+          <a:p/>
+          <a:p/>
         </p:txBody>
       </p:sp>
       <p:sp>
@@ -6311,8 +6054,8 @@
         </p:blipFill>
         <p:spPr>
           <a:xfrm>
-            <a:off x="1666494" y="1263275"/>
-            <a:ext cx="6039612" cy="6039612"/>
+            <a:off x="704088" y="914400"/>
+            <a:ext cx="7507224" cy="7507224"/>
           </a:xfrm>
           <a:prstGeom prst="rect">
             <a:avLst/>
@@ -6328,7 +6071,7 @@
 </file>
 
 <file path=ppt/slides/slide6.xml><?xml version="1.0" encoding="utf-8"?>
-<p:sld xmlns:a="http://schemas.openxmlformats.org/drawingml/2006/main" xmlns:r="http://schemas.openxmlformats.org/officeDocument/2006/relationships" xmlns:p="http://schemas.openxmlformats.org/presentationml/2006/main">
+<p:sld xmlns:a="http://schemas.openxmlformats.org/drawingml/2006/main" xmlns:p="http://schemas.openxmlformats.org/presentationml/2006/main" xmlns:r="http://schemas.openxmlformats.org/officeDocument/2006/relationships">
   <p:cSld>
     <p:spTree>
       <p:nvGrpSpPr>
@@ -6336,14 +6079,7 @@
         <p:cNvGrpSpPr/>
         <p:nvPr/>
       </p:nvGrpSpPr>
-      <p:grpSpPr>
-        <a:xfrm>
-          <a:off x="0" y="0"/>
-          <a:ext cx="0" cy="0"/>
-          <a:chOff x="0" y="0"/>
-          <a:chExt cx="0" cy="0"/>
-        </a:xfrm>
-      </p:grpSpPr>
+      <p:grpSpPr/>
       <p:sp>
         <p:nvSpPr>
           <p:cNvPr id="2" name="Title 1"/>
@@ -6381,22 +6117,38 @@
           <a:lstStyle/>
           <a:p>
             <a:r>
-              <a:t> Ansible is a simple IT automation tool that makes your applications and systems easier to deploy.</a:t>
-            </a:r>
-          </a:p>
-          <a:p>
-            <a:r>
-              <a:t> Avoid writing scripts or custom code to deploy and update your applications</a:t>
-            </a:r>
-          </a:p>
-          <a:p>
-            <a:r>
-              <a:t> automate in a language that approaches plain English, using SSH, with no agents to install on remote systems.</a:t>
-            </a:r>
-          </a:p>
-          <a:p>
-            <a:r>
-              <a:t> Ansible is agentless, so you don’t have to install software on remote systems to manage them.</a:t>
+              <a:rPr b="1"/>
+              <a:t> Simple IT Automation Tool</a:t>
+            </a:r>
+            <a:r>
+              <a:t> Ansible is designed to simplify the deployment of applications and the maintenance of systems.</a:t>
+            </a:r>
+          </a:p>
+          <a:p>
+            <a:r>
+              <a:rPr b="1"/>
+              <a:t> No Need for Custom Scripts</a:t>
+            </a:r>
+            <a:r>
+              <a:t> You don’t have to write complex scripts or custom code to manage updates or roll out new features.</a:t>
+            </a:r>
+          </a:p>
+          <a:p>
+            <a:r>
+              <a:rPr b="1"/>
+              <a:t> Human-Readable Language</a:t>
+            </a:r>
+            <a:r>
+              <a:t> Ansible uses YAML, a syntax that closely resembles plain English, making configurations easy to write and review.</a:t>
+            </a:r>
+          </a:p>
+          <a:p>
+            <a:r>
+              <a:rPr b="1"/>
+              <a:t> Agentless Architecture</a:t>
+            </a:r>
+            <a:r>
+              <a:t> Because Ansible relies on SSH (or WinRM for Windows), there is no need to install any agents on the managed nodes. This makes setup and management far simpler.</a:t>
             </a:r>
           </a:p>
         </p:txBody>
@@ -6443,7 +6195,7 @@
 </file>
 
 <file path=ppt/slides/slide7.xml><?xml version="1.0" encoding="utf-8"?>
-<p:sld xmlns:a="http://schemas.openxmlformats.org/drawingml/2006/main" xmlns:r="http://schemas.openxmlformats.org/officeDocument/2006/relationships" xmlns:p="http://schemas.openxmlformats.org/presentationml/2006/main">
+<p:sld xmlns:a="http://schemas.openxmlformats.org/drawingml/2006/main" xmlns:p="http://schemas.openxmlformats.org/presentationml/2006/main" xmlns:r="http://schemas.openxmlformats.org/officeDocument/2006/relationships">
   <p:cSld>
     <p:spTree>
       <p:nvGrpSpPr>
@@ -6451,14 +6203,7 @@
         <p:cNvGrpSpPr/>
         <p:nvPr/>
       </p:nvGrpSpPr>
-      <p:grpSpPr>
-        <a:xfrm>
-          <a:off x="0" y="0"/>
-          <a:ext cx="0" cy="0"/>
-          <a:chOff x="0" y="0"/>
-          <a:chExt cx="0" cy="0"/>
-        </a:xfrm>
-      </p:grpSpPr>
+      <p:grpSpPr/>
       <p:sp>
         <p:nvSpPr>
           <p:cNvPr id="2" name="Title 1"/>
@@ -6475,7 +6220,7 @@
           <a:lstStyle/>
           <a:p>
             <a:r>
-              <a:t>Where to use Ansible</a:t>
+              <a:t>Where to Use Ansible</a:t>
             </a:r>
           </a:p>
         </p:txBody>
@@ -6496,47 +6241,80 @@
           <a:lstStyle/>
           <a:p>
             <a:r>
+              <a:rPr b="1"/>
               <a:t> Configuration Management</a:t>
             </a:r>
-          </a:p>
-          <a:p>
-            <a:r>
+            <a:r>
+              <a:t> Maintain consistent system configurations across servers.</a:t>
+            </a:r>
+          </a:p>
+          <a:p>
+            <a:r>
+              <a:rPr b="1"/>
               <a:t> Application Deployment</a:t>
             </a:r>
-          </a:p>
-          <a:p>
-            <a:r>
+            <a:r>
+              <a:t> Automate the rollout of new application versions, ensuring consistent deployments.</a:t>
+            </a:r>
+          </a:p>
+          <a:p>
+            <a:r>
+              <a:rPr b="1"/>
               <a:t> Continuous Delivery</a:t>
             </a:r>
-          </a:p>
-          <a:p>
-            <a:r>
+            <a:r>
+              <a:t> Integrate with CI/CD pipelines to automate builds, tests, and releases.</a:t>
+            </a:r>
+          </a:p>
+          <a:p>
+            <a:r>
+              <a:rPr b="1"/>
               <a:t> Orchestration</a:t>
             </a:r>
-          </a:p>
-          <a:p>
-            <a:r>
+            <a:r>
+              <a:t> Coordinate complex, multi-step workflows and interdependent services.</a:t>
+            </a:r>
+          </a:p>
+          <a:p>
+            <a:r>
+              <a:rPr b="1"/>
               <a:t> Security Automation</a:t>
             </a:r>
-          </a:p>
-          <a:p>
-            <a:r>
+            <a:r>
+              <a:t> Streamline security patches, vulnerability scans, and compliance checks.</a:t>
+            </a:r>
+          </a:p>
+          <a:p>
+            <a:r>
+              <a:rPr b="1"/>
               <a:t> Multi-Tier Applications</a:t>
             </a:r>
-          </a:p>
-          <a:p>
-            <a:r>
+            <a:r>
+              <a:t> Manage configurations across multiple layers (web, application, database) seamlessly.</a:t>
+            </a:r>
+          </a:p>
+          <a:p>
+            <a:r>
+              <a:rPr b="1"/>
               <a:t> Cloud Provisioning</a:t>
             </a:r>
-          </a:p>
-          <a:p>
-            <a:r>
+            <a:r>
+              <a:t> Provision and manage resources on cloud providers (AWS, Azure, GCP, etc.).</a:t>
+            </a:r>
+          </a:p>
+          <a:p>
+            <a:r>
+              <a:rPr b="1"/>
               <a:t> Network Automation</a:t>
             </a:r>
-          </a:p>
-          <a:p>
-            <a:r>
-              <a:t> And more...</a:t>
+            <a:r>
+              <a:t> Configure and maintain network devices, such as switches and routers.</a:t>
+            </a:r>
+          </a:p>
+          <a:p>
+            <a:r>
+              <a:rPr b="1"/>
+              <a:t> And More…</a:t>
             </a:r>
           </a:p>
         </p:txBody>
@@ -6583,7 +6361,7 @@
 </file>
 
 <file path=ppt/slides/slide8.xml><?xml version="1.0" encoding="utf-8"?>
-<p:sld xmlns:a="http://schemas.openxmlformats.org/drawingml/2006/main" xmlns:r="http://schemas.openxmlformats.org/officeDocument/2006/relationships" xmlns:p="http://schemas.openxmlformats.org/presentationml/2006/main">
+<p:sld xmlns:a="http://schemas.openxmlformats.org/drawingml/2006/main" xmlns:p="http://schemas.openxmlformats.org/presentationml/2006/main" xmlns:r="http://schemas.openxmlformats.org/officeDocument/2006/relationships">
   <p:cSld>
     <p:spTree>
       <p:nvGrpSpPr>
@@ -6591,14 +6369,7 @@
         <p:cNvGrpSpPr/>
         <p:nvPr/>
       </p:nvGrpSpPr>
-      <p:grpSpPr>
-        <a:xfrm>
-          <a:off x="0" y="0"/>
-          <a:ext cx="0" cy="0"/>
-          <a:chOff x="0" y="0"/>
-          <a:chExt cx="0" cy="0"/>
-        </a:xfrm>
-      </p:grpSpPr>
+      <p:grpSpPr/>
       <p:sp>
         <p:nvSpPr>
           <p:cNvPr id="2" name="Title 1"/>
@@ -6636,56 +6407,28 @@
           <a:lstStyle/>
           <a:p>
             <a:r>
-              <a:rPr dirty="0"/>
-              <a:t> Target systems do not need to have any software installed on them to be managed by Ansible.</a:t>
-            </a:r>
-          </a:p>
-          <a:p>
-            <a:r>
-              <a:rPr dirty="0"/>
-              <a:t> Tasks are executed over SSH by default, but can also be executed locally.</a:t>
-            </a:r>
-          </a:p>
-          <a:p>
-            <a:endParaRPr dirty="0"/>
-          </a:p>
-          <a:p>
-            <a:endParaRPr dirty="0"/>
-          </a:p>
-          <a:p>
-            <a:endParaRPr dirty="0"/>
-          </a:p>
-          <a:p>
-            <a:endParaRPr dirty="0"/>
-          </a:p>
-          <a:p>
-            <a:endParaRPr dirty="0"/>
-          </a:p>
-          <a:p>
-            <a:endParaRPr dirty="0"/>
-          </a:p>
-          <a:p>
-            <a:endParaRPr dirty="0"/>
-          </a:p>
-          <a:p>
-            <a:r>
-              <a:rPr dirty="0"/>
-              <a:t> &lt;span style="font-size:15px; </a:t>
-            </a:r>
-            <a:r>
-              <a:rPr dirty="0" err="1"/>
-              <a:t>color:red</a:t>
-            </a:r>
-            <a:r>
-              <a:rPr dirty="0"/>
-              <a:t>"&gt;</a:t>
-            </a:r>
-            <a:r>
-              <a:rPr i="1" dirty="0"/>
-              <a:t> except for Windows systems, which require a small Python executable to be installed.</a:t>
-            </a:r>
-            <a:r>
-              <a:rPr dirty="0"/>
+              <a:t> Target systems do not require any pre-installed software or running services for Ansible to manage them. By default, Ansible communicates via SSH (on Unix-like systems) or WinRM (on Windows). Tasks</a:t>
+            </a:r>
+            <a:r>
+              <a:t> execute on the remote host only when needed, leaving no persistent agents behind.</a:t>
+            </a:r>
+          </a:p>
+          <a:p/>
+          <a:p/>
+          <a:p/>
+          <a:p/>
+          <a:p/>
+          <a:p/>
+          <a:p/>
+          <a:p>
+            <a:r>
+              <a:t> &lt;span style="font-size:15px; color:red"&gt;</a:t>
+            </a:r>
+            <a:r>
+              <a:rPr i="1"/>
+              <a:t> Important: Windows hosts require a small Python executable to be installed, but no separate agent or service is needed.</a:t>
+            </a:r>
+            <a:r>
               <a:t> &lt;/span&gt;</a:t>
             </a:r>
           </a:p>
@@ -6740,8 +6483,8 @@
         </p:blipFill>
         <p:spPr>
           <a:xfrm>
-            <a:off x="2552700" y="2853966"/>
-            <a:ext cx="4620006" cy="2589929"/>
+            <a:off x="704088" y="3108960"/>
+            <a:ext cx="7507224" cy="4208475"/>
           </a:xfrm>
           <a:prstGeom prst="rect">
             <a:avLst/>
@@ -6757,7 +6500,7 @@
 </file>
 
 <file path=ppt/slides/slide9.xml><?xml version="1.0" encoding="utf-8"?>
-<p:sld xmlns:a="http://schemas.openxmlformats.org/drawingml/2006/main" xmlns:r="http://schemas.openxmlformats.org/officeDocument/2006/relationships" xmlns:p="http://schemas.openxmlformats.org/presentationml/2006/main">
+<p:sld xmlns:a="http://schemas.openxmlformats.org/drawingml/2006/main" xmlns:p="http://schemas.openxmlformats.org/presentationml/2006/main" xmlns:r="http://schemas.openxmlformats.org/officeDocument/2006/relationships">
   <p:cSld>
     <p:spTree>
       <p:nvGrpSpPr>
@@ -6765,14 +6508,7 @@
         <p:cNvGrpSpPr/>
         <p:nvPr/>
       </p:nvGrpSpPr>
-      <p:grpSpPr>
-        <a:xfrm>
-          <a:off x="0" y="0"/>
-          <a:ext cx="0" cy="0"/>
-          <a:chOff x="0" y="0"/>
-          <a:chExt cx="0" cy="0"/>
-        </a:xfrm>
-      </p:grpSpPr>
+      <p:grpSpPr/>
       <p:sp>
         <p:nvSpPr>
           <p:cNvPr id="2" name="Subtitle 1"/>
@@ -6780,7 +6516,7 @@
             <a:spLocks noGrp="1"/>
           </p:cNvSpPr>
           <p:nvPr>
-            <p:ph type="subTitle" sz="quarter" idx="1"/>
+            <p:ph type="subTitle" idx="1" sz="quarter"/>
           </p:nvPr>
         </p:nvSpPr>
         <p:spPr/>
@@ -6798,9 +6534,12 @@
             </a:r>
             <a:r>
               <a:t>Inventory
-Install Ansible
 </a:t>
             </a:r>
+            <a:r>
+              <a:t>Install Ansible
+</a:t>
+            </a:r>
           </a:p>
         </p:txBody>
       </p:sp>
@@ -6816,15 +6555,10 @@
         </p:nvSpPr>
         <p:spPr/>
         <p:txBody>
-          <a:bodyPr wrap="square">
-            <a:noAutofit/>
-          </a:bodyPr>
-          <a:lstStyle/>
-          <a:p>
-            <a:r>
-              <a:rPr sz="4200" b="1" i="0">
-                <a:latin typeface="Times New Roman"/>
-              </a:rPr>
+          <a:bodyPr/>
+          <a:lstStyle/>
+          <a:p>
+            <a:r>
               <a:t>Why Agentless?</a:t>
             </a:r>
           </a:p>
